--- a/Documentation/To-Do-List Presentation.pptx
+++ b/Documentation/To-Do-List Presentation.pptx
@@ -6,13 +6,15 @@
   </p:sldMasterIdLst>
   <p:sldIdLst>
     <p:sldId id="256" r:id="rId2"/>
-    <p:sldId id="257" r:id="rId3"/>
-    <p:sldId id="258" r:id="rId4"/>
-    <p:sldId id="259" r:id="rId5"/>
-    <p:sldId id="260" r:id="rId6"/>
-    <p:sldId id="261" r:id="rId7"/>
-    <p:sldId id="263" r:id="rId8"/>
-    <p:sldId id="262" r:id="rId9"/>
+    <p:sldId id="266" r:id="rId3"/>
+    <p:sldId id="257" r:id="rId4"/>
+    <p:sldId id="258" r:id="rId5"/>
+    <p:sldId id="265" r:id="rId6"/>
+    <p:sldId id="260" r:id="rId7"/>
+    <p:sldId id="261" r:id="rId8"/>
+    <p:sldId id="264" r:id="rId9"/>
+    <p:sldId id="263" r:id="rId10"/>
+    <p:sldId id="262" r:id="rId11"/>
   </p:sldIdLst>
   <p:sldSz cx="12192000" cy="6858000"/>
   <p:notesSz cx="6858000" cy="9144000"/>
@@ -607,7 +609,7 @@
           <a:p>
             <a:fld id="{72345051-2045-45DA-935E-2E3CA1A69ADC}" type="datetimeFigureOut">
               <a:rPr lang="en-US" smtClean="0"/>
-              <a:t>3/11/2021</a:t>
+              <a:t>3/22/2021</a:t>
             </a:fld>
             <a:endParaRPr lang="en-US" dirty="0"/>
           </a:p>
@@ -805,7 +807,7 @@
           <a:p>
             <a:fld id="{72345051-2045-45DA-935E-2E3CA1A69ADC}" type="datetimeFigureOut">
               <a:rPr lang="en-US" smtClean="0"/>
-              <a:t>3/11/2021</a:t>
+              <a:t>3/22/2021</a:t>
             </a:fld>
             <a:endParaRPr lang="en-US"/>
           </a:p>
@@ -1013,7 +1015,7 @@
           <a:p>
             <a:fld id="{72345051-2045-45DA-935E-2E3CA1A69ADC}" type="datetimeFigureOut">
               <a:rPr lang="en-US" smtClean="0"/>
-              <a:t>3/11/2021</a:t>
+              <a:t>3/22/2021</a:t>
             </a:fld>
             <a:endParaRPr lang="en-US"/>
           </a:p>
@@ -1235,7 +1237,7 @@
           <a:p>
             <a:fld id="{72345051-2045-45DA-935E-2E3CA1A69ADC}" type="datetimeFigureOut">
               <a:rPr lang="en-US" smtClean="0"/>
-              <a:t>3/11/2021</a:t>
+              <a:t>3/22/2021</a:t>
             </a:fld>
             <a:endParaRPr lang="en-US"/>
           </a:p>
@@ -2146,7 +2148,7 @@
           <a:p>
             <a:fld id="{72345051-2045-45DA-935E-2E3CA1A69ADC}" type="datetimeFigureOut">
               <a:rPr lang="en-US" smtClean="0"/>
-              <a:t>3/11/2021</a:t>
+              <a:t>3/22/2021</a:t>
             </a:fld>
             <a:endParaRPr lang="en-US"/>
           </a:p>
@@ -2749,7 +2751,7 @@
           <a:p>
             <a:fld id="{72345051-2045-45DA-935E-2E3CA1A69ADC}" type="datetimeFigureOut">
               <a:rPr lang="en-US" smtClean="0"/>
-              <a:t>3/11/2021</a:t>
+              <a:t>3/22/2021</a:t>
             </a:fld>
             <a:endParaRPr lang="en-US"/>
           </a:p>
@@ -3797,7 +3799,7 @@
           <a:p>
             <a:fld id="{72345051-2045-45DA-935E-2E3CA1A69ADC}" type="datetimeFigureOut">
               <a:rPr lang="en-US" smtClean="0"/>
-              <a:t>3/11/2021</a:t>
+              <a:t>3/22/2021</a:t>
             </a:fld>
             <a:endParaRPr lang="en-US"/>
           </a:p>
@@ -4581,7 +4583,7 @@
           <a:p>
             <a:fld id="{72345051-2045-45DA-935E-2E3CA1A69ADC}" type="datetimeFigureOut">
               <a:rPr lang="en-US" smtClean="0"/>
-              <a:t>3/11/2021</a:t>
+              <a:t>3/22/2021</a:t>
             </a:fld>
             <a:endParaRPr lang="en-US"/>
           </a:p>
@@ -5030,7 +5032,7 @@
           <a:p>
             <a:fld id="{72345051-2045-45DA-935E-2E3CA1A69ADC}" type="datetimeFigureOut">
               <a:rPr lang="en-US" smtClean="0"/>
-              <a:t>3/11/2021</a:t>
+              <a:t>3/22/2021</a:t>
             </a:fld>
             <a:endParaRPr lang="en-US"/>
           </a:p>
@@ -5347,7 +5349,7 @@
           <a:p>
             <a:fld id="{72345051-2045-45DA-935E-2E3CA1A69ADC}" type="datetimeFigureOut">
               <a:rPr lang="en-US" smtClean="0"/>
-              <a:t>3/11/2021</a:t>
+              <a:t>3/22/2021</a:t>
             </a:fld>
             <a:endParaRPr lang="en-US"/>
           </a:p>
@@ -5975,7 +5977,7 @@
           <a:p>
             <a:fld id="{72345051-2045-45DA-935E-2E3CA1A69ADC}" type="datetimeFigureOut">
               <a:rPr lang="en-US" smtClean="0"/>
-              <a:t>3/11/2021</a:t>
+              <a:t>3/22/2021</a:t>
             </a:fld>
             <a:endParaRPr lang="en-US"/>
           </a:p>
@@ -6548,7 +6550,7 @@
           <a:p>
             <a:fld id="{72345051-2045-45DA-935E-2E3CA1A69ADC}" type="datetimeFigureOut">
               <a:rPr lang="en-US" smtClean="0"/>
-              <a:t>3/11/2021</a:t>
+              <a:t>3/22/2021</a:t>
             </a:fld>
             <a:endParaRPr lang="en-US" dirty="0"/>
           </a:p>
@@ -7097,7 +7099,6 @@
               <a:rPr lang="en-GB" dirty="0"/>
               <a:t>To-Do-List Project</a:t>
             </a:r>
-            <a:endParaRPr lang="en-GB"/>
           </a:p>
         </p:txBody>
       </p:sp>
@@ -8227,7 +8228,7 @@
 </p:sld>
 </file>
 
-<file path=ppt/slides/slide2.xml><?xml version="1.0" encoding="utf-8"?>
+<file path=ppt/slides/slide10.xml><?xml version="1.0" encoding="utf-8"?>
 <p:sld xmlns:a="http://schemas.openxmlformats.org/drawingml/2006/main" xmlns:r="http://schemas.openxmlformats.org/officeDocument/2006/relationships" xmlns:p="http://schemas.openxmlformats.org/presentationml/2006/main">
   <p:cSld>
     <p:spTree>
@@ -8249,7 +8250,137 @@
           <p:cNvPr id="2" name="Title 1">
             <a:extLst>
               <a:ext uri="{FF2B5EF4-FFF2-40B4-BE49-F238E27FC236}">
-                <a16:creationId xmlns:a16="http://schemas.microsoft.com/office/drawing/2014/main" id="{9368F71E-6C46-4460-915C-22C5D9FCAD00}"/>
+                <a16:creationId xmlns:a16="http://schemas.microsoft.com/office/drawing/2014/main" id="{171A90FB-67DE-44D6-8526-912172B09CC5}"/>
+              </a:ext>
+            </a:extLst>
+          </p:cNvPr>
+          <p:cNvSpPr>
+            <a:spLocks noGrp="1"/>
+          </p:cNvSpPr>
+          <p:nvPr>
+            <p:ph type="title"/>
+          </p:nvPr>
+        </p:nvSpPr>
+        <p:spPr/>
+        <p:txBody>
+          <a:bodyPr/>
+          <a:lstStyle/>
+          <a:p>
+            <a:pPr algn="ctr"/>
+            <a:r>
+              <a:rPr lang="en-GB" dirty="0">
+                <a:latin typeface="Arial" panose="020B0604020202020204" pitchFamily="34" charset="0"/>
+                <a:cs typeface="Arial" panose="020B0604020202020204" pitchFamily="34" charset="0"/>
+              </a:rPr>
+              <a:t>Any Questions?</a:t>
+            </a:r>
+          </a:p>
+        </p:txBody>
+      </p:sp>
+    </p:spTree>
+    <p:extLst>
+      <p:ext uri="{BB962C8B-B14F-4D97-AF65-F5344CB8AC3E}">
+        <p14:creationId xmlns:p14="http://schemas.microsoft.com/office/powerpoint/2010/main" val="3577127451"/>
+      </p:ext>
+    </p:extLst>
+  </p:cSld>
+  <p:clrMapOvr>
+    <a:masterClrMapping/>
+  </p:clrMapOvr>
+</p:sld>
+</file>
+
+<file path=ppt/slides/slide2.xml><?xml version="1.0" encoding="utf-8"?>
+<p:sld xmlns:a="http://schemas.openxmlformats.org/drawingml/2006/main" xmlns:r="http://schemas.openxmlformats.org/officeDocument/2006/relationships" xmlns:p="http://schemas.openxmlformats.org/presentationml/2006/main">
+  <p:cSld>
+    <p:bg>
+      <p:bgPr>
+        <a:solidFill>
+          <a:schemeClr val="bg1"/>
+        </a:solidFill>
+        <a:effectLst/>
+      </p:bgPr>
+    </p:bg>
+    <p:spTree>
+      <p:nvGrpSpPr>
+        <p:cNvPr id="1" name=""/>
+        <p:cNvGrpSpPr/>
+        <p:nvPr/>
+      </p:nvGrpSpPr>
+      <p:grpSpPr>
+        <a:xfrm>
+          <a:off x="0" y="0"/>
+          <a:ext cx="0" cy="0"/>
+          <a:chOff x="0" y="0"/>
+          <a:chExt cx="0" cy="0"/>
+        </a:xfrm>
+      </p:grpSpPr>
+      <p:sp useBgFill="1">
+        <p:nvSpPr>
+          <p:cNvPr id="13" name="Rectangle 8">
+            <a:extLst>
+              <a:ext uri="{FF2B5EF4-FFF2-40B4-BE49-F238E27FC236}">
+                <a16:creationId xmlns:a16="http://schemas.microsoft.com/office/drawing/2014/main" id="{2C61293E-6EBE-43EF-A52C-9BEBFD7679D4}"/>
+              </a:ext>
+              <a:ext uri="{C183D7F6-B498-43B3-948B-1728B52AA6E4}">
+                <adec:decorative xmlns:adec="http://schemas.microsoft.com/office/drawing/2017/decorative" val="1"/>
+              </a:ext>
+            </a:extLst>
+          </p:cNvPr>
+          <p:cNvSpPr>
+            <a:spLocks noGrp="1" noRot="1" noChangeAspect="1" noMove="1" noResize="1" noEditPoints="1" noAdjustHandles="1" noChangeArrowheads="1" noChangeShapeType="1" noTextEdit="1"/>
+          </p:cNvSpPr>
+          <p:nvPr>
+            <p:extLst>
+              <p:ext uri="{386F3935-93C4-4BCD-93E2-E3B085C9AB24}">
+                <p16:designElem xmlns:p16="http://schemas.microsoft.com/office/powerpoint/2015/main" val="1"/>
+              </p:ext>
+            </p:extLst>
+          </p:nvPr>
+        </p:nvSpPr>
+        <p:spPr>
+          <a:xfrm>
+            <a:off x="0" y="0"/>
+            <a:ext cx="12188952" cy="6858000"/>
+          </a:xfrm>
+          <a:prstGeom prst="rect">
+            <a:avLst/>
+          </a:prstGeom>
+          <a:ln>
+            <a:noFill/>
+          </a:ln>
+        </p:spPr>
+        <p:style>
+          <a:lnRef idx="2">
+            <a:schemeClr val="accent1">
+              <a:shade val="50000"/>
+            </a:schemeClr>
+          </a:lnRef>
+          <a:fillRef idx="1">
+            <a:schemeClr val="accent1"/>
+          </a:fillRef>
+          <a:effectRef idx="0">
+            <a:schemeClr val="accent1"/>
+          </a:effectRef>
+          <a:fontRef idx="minor">
+            <a:schemeClr val="lt1"/>
+          </a:fontRef>
+        </p:style>
+        <p:txBody>
+          <a:bodyPr rtlCol="0" anchor="ctr"/>
+          <a:lstStyle/>
+          <a:p>
+            <a:pPr algn="ctr"/>
+            <a:endParaRPr lang="en-US"/>
+          </a:p>
+        </p:txBody>
+      </p:sp>
+      <p:sp>
+        <p:nvSpPr>
+          <p:cNvPr id="2" name="Title 1">
+            <a:extLst>
+              <a:ext uri="{FF2B5EF4-FFF2-40B4-BE49-F238E27FC236}">
+                <a16:creationId xmlns:a16="http://schemas.microsoft.com/office/drawing/2014/main" id="{3B03D4FD-AFBB-4B6A-A0FF-DAC872C30203}"/>
               </a:ext>
             </a:extLst>
           </p:cNvPr>
@@ -8262,230 +8393,640 @@
         </p:nvSpPr>
         <p:spPr>
           <a:xfrm>
-            <a:off x="838200" y="149281"/>
-            <a:ext cx="10515600" cy="1247830"/>
+            <a:off x="5297762" y="329184"/>
+            <a:ext cx="6251110" cy="1783080"/>
           </a:xfrm>
         </p:spPr>
         <p:txBody>
-          <a:bodyPr/>
+          <a:bodyPr anchor="b">
+            <a:normAutofit/>
+          </a:bodyPr>
           <a:lstStyle/>
           <a:p>
-            <a:pPr algn="ctr"/>
+            <a:pPr>
+              <a:lnSpc>
+                <a:spcPct val="90000"/>
+              </a:lnSpc>
+            </a:pPr>
             <a:r>
-              <a:rPr lang="en-GB" dirty="0">
+              <a:rPr lang="en-GB" sz="6100">
                 <a:latin typeface="Arial" panose="020B0604020202020204" pitchFamily="34" charset="0"/>
                 <a:cs typeface="Arial" panose="020B0604020202020204" pitchFamily="34" charset="0"/>
               </a:rPr>
-              <a:t>Project Management</a:t>
+              <a:t>Design Specification</a:t>
             </a:r>
+          </a:p>
+        </p:txBody>
+      </p:sp>
+      <p:sp>
+        <p:nvSpPr>
+          <p:cNvPr id="14" name="Rectangle 6">
+            <a:extLst>
+              <a:ext uri="{FF2B5EF4-FFF2-40B4-BE49-F238E27FC236}">
+                <a16:creationId xmlns:a16="http://schemas.microsoft.com/office/drawing/2014/main" id="{3FCFB1DE-0B7E-48CC-BA90-B2AB0889F9D6}"/>
+              </a:ext>
+              <a:ext uri="{C183D7F6-B498-43B3-948B-1728B52AA6E4}">
+                <adec:decorative xmlns:adec="http://schemas.microsoft.com/office/drawing/2017/decorative" val="1"/>
+              </a:ext>
+            </a:extLst>
+          </p:cNvPr>
+          <p:cNvSpPr>
+            <a:spLocks noGrp="1" noRot="1" noChangeAspect="1" noMove="1" noResize="1" noEditPoints="1" noAdjustHandles="1" noChangeArrowheads="1" noChangeShapeType="1" noTextEdit="1"/>
+          </p:cNvSpPr>
+          <p:nvPr>
+            <p:extLst>
+              <p:ext uri="{386F3935-93C4-4BCD-93E2-E3B085C9AB24}">
+                <p16:designElem xmlns:p16="http://schemas.microsoft.com/office/powerpoint/2015/main" val="1"/>
+              </p:ext>
+            </p:extLst>
+          </p:nvPr>
+        </p:nvSpPr>
+        <p:spPr>
+          <a:xfrm>
+            <a:off x="5412862" y="2395728"/>
+            <a:ext cx="4243589" cy="27432"/>
+          </a:xfrm>
+          <a:custGeom>
+            <a:avLst/>
+            <a:gdLst>
+              <a:gd name="connsiteX0" fmla="*/ 0 w 4243589"/>
+              <a:gd name="connsiteY0" fmla="*/ 0 h 27432"/>
+              <a:gd name="connsiteX1" fmla="*/ 563791 w 4243589"/>
+              <a:gd name="connsiteY1" fmla="*/ 0 h 27432"/>
+              <a:gd name="connsiteX2" fmla="*/ 1042710 w 4243589"/>
+              <a:gd name="connsiteY2" fmla="*/ 0 h 27432"/>
+              <a:gd name="connsiteX3" fmla="*/ 1564066 w 4243589"/>
+              <a:gd name="connsiteY3" fmla="*/ 0 h 27432"/>
+              <a:gd name="connsiteX4" fmla="*/ 2212729 w 4243589"/>
+              <a:gd name="connsiteY4" fmla="*/ 0 h 27432"/>
+              <a:gd name="connsiteX5" fmla="*/ 2776520 w 4243589"/>
+              <a:gd name="connsiteY5" fmla="*/ 0 h 27432"/>
+              <a:gd name="connsiteX6" fmla="*/ 3297875 w 4243589"/>
+              <a:gd name="connsiteY6" fmla="*/ 0 h 27432"/>
+              <a:gd name="connsiteX7" fmla="*/ 4243589 w 4243589"/>
+              <a:gd name="connsiteY7" fmla="*/ 0 h 27432"/>
+              <a:gd name="connsiteX8" fmla="*/ 4243589 w 4243589"/>
+              <a:gd name="connsiteY8" fmla="*/ 27432 h 27432"/>
+              <a:gd name="connsiteX9" fmla="*/ 3637362 w 4243589"/>
+              <a:gd name="connsiteY9" fmla="*/ 27432 h 27432"/>
+              <a:gd name="connsiteX10" fmla="*/ 3116007 w 4243589"/>
+              <a:gd name="connsiteY10" fmla="*/ 27432 h 27432"/>
+              <a:gd name="connsiteX11" fmla="*/ 2424908 w 4243589"/>
+              <a:gd name="connsiteY11" fmla="*/ 27432 h 27432"/>
+              <a:gd name="connsiteX12" fmla="*/ 1861117 w 4243589"/>
+              <a:gd name="connsiteY12" fmla="*/ 27432 h 27432"/>
+              <a:gd name="connsiteX13" fmla="*/ 1382198 w 4243589"/>
+              <a:gd name="connsiteY13" fmla="*/ 27432 h 27432"/>
+              <a:gd name="connsiteX14" fmla="*/ 733535 w 4243589"/>
+              <a:gd name="connsiteY14" fmla="*/ 27432 h 27432"/>
+              <a:gd name="connsiteX15" fmla="*/ 0 w 4243589"/>
+              <a:gd name="connsiteY15" fmla="*/ 27432 h 27432"/>
+              <a:gd name="connsiteX16" fmla="*/ 0 w 4243589"/>
+              <a:gd name="connsiteY16" fmla="*/ 0 h 27432"/>
+            </a:gdLst>
+            <a:ahLst/>
+            <a:cxnLst>
+              <a:cxn ang="0">
+                <a:pos x="connsiteX0" y="connsiteY0"/>
+              </a:cxn>
+              <a:cxn ang="0">
+                <a:pos x="connsiteX1" y="connsiteY1"/>
+              </a:cxn>
+              <a:cxn ang="0">
+                <a:pos x="connsiteX2" y="connsiteY2"/>
+              </a:cxn>
+              <a:cxn ang="0">
+                <a:pos x="connsiteX3" y="connsiteY3"/>
+              </a:cxn>
+              <a:cxn ang="0">
+                <a:pos x="connsiteX4" y="connsiteY4"/>
+              </a:cxn>
+              <a:cxn ang="0">
+                <a:pos x="connsiteX5" y="connsiteY5"/>
+              </a:cxn>
+              <a:cxn ang="0">
+                <a:pos x="connsiteX6" y="connsiteY6"/>
+              </a:cxn>
+              <a:cxn ang="0">
+                <a:pos x="connsiteX7" y="connsiteY7"/>
+              </a:cxn>
+              <a:cxn ang="0">
+                <a:pos x="connsiteX8" y="connsiteY8"/>
+              </a:cxn>
+              <a:cxn ang="0">
+                <a:pos x="connsiteX9" y="connsiteY9"/>
+              </a:cxn>
+              <a:cxn ang="0">
+                <a:pos x="connsiteX10" y="connsiteY10"/>
+              </a:cxn>
+              <a:cxn ang="0">
+                <a:pos x="connsiteX11" y="connsiteY11"/>
+              </a:cxn>
+              <a:cxn ang="0">
+                <a:pos x="connsiteX12" y="connsiteY12"/>
+              </a:cxn>
+              <a:cxn ang="0">
+                <a:pos x="connsiteX13" y="connsiteY13"/>
+              </a:cxn>
+              <a:cxn ang="0">
+                <a:pos x="connsiteX14" y="connsiteY14"/>
+              </a:cxn>
+              <a:cxn ang="0">
+                <a:pos x="connsiteX15" y="connsiteY15"/>
+              </a:cxn>
+              <a:cxn ang="0">
+                <a:pos x="connsiteX16" y="connsiteY16"/>
+              </a:cxn>
+            </a:cxnLst>
+            <a:rect l="l" t="t" r="r" b="b"/>
+            <a:pathLst>
+              <a:path w="4243589" h="27432" fill="none" extrusionOk="0">
+                <a:moveTo>
+                  <a:pt x="0" y="0"/>
+                </a:moveTo>
+                <a:cubicBezTo>
+                  <a:pt x="157351" y="-15653"/>
+                  <a:pt x="378877" y="-5828"/>
+                  <a:pt x="563791" y="0"/>
+                </a:cubicBezTo>
+                <a:cubicBezTo>
+                  <a:pt x="748705" y="5828"/>
+                  <a:pt x="905659" y="-5525"/>
+                  <a:pt x="1042710" y="0"/>
+                </a:cubicBezTo>
+                <a:cubicBezTo>
+                  <a:pt x="1179761" y="5525"/>
+                  <a:pt x="1356845" y="-21288"/>
+                  <a:pt x="1564066" y="0"/>
+                </a:cubicBezTo>
+                <a:cubicBezTo>
+                  <a:pt x="1771287" y="21288"/>
+                  <a:pt x="1912099" y="25135"/>
+                  <a:pt x="2212729" y="0"/>
+                </a:cubicBezTo>
+                <a:cubicBezTo>
+                  <a:pt x="2513359" y="-25135"/>
+                  <a:pt x="2514918" y="-27119"/>
+                  <a:pt x="2776520" y="0"/>
+                </a:cubicBezTo>
+                <a:cubicBezTo>
+                  <a:pt x="3038122" y="27119"/>
+                  <a:pt x="3178771" y="18116"/>
+                  <a:pt x="3297875" y="0"/>
+                </a:cubicBezTo>
+                <a:cubicBezTo>
+                  <a:pt x="3416980" y="-18116"/>
+                  <a:pt x="4012240" y="-40869"/>
+                  <a:pt x="4243589" y="0"/>
+                </a:cubicBezTo>
+                <a:cubicBezTo>
+                  <a:pt x="4242616" y="8304"/>
+                  <a:pt x="4243111" y="21512"/>
+                  <a:pt x="4243589" y="27432"/>
+                </a:cubicBezTo>
+                <a:cubicBezTo>
+                  <a:pt x="4112949" y="6289"/>
+                  <a:pt x="3928037" y="10975"/>
+                  <a:pt x="3637362" y="27432"/>
+                </a:cubicBezTo>
+                <a:cubicBezTo>
+                  <a:pt x="3346687" y="43889"/>
+                  <a:pt x="3254446" y="35813"/>
+                  <a:pt x="3116007" y="27432"/>
+                </a:cubicBezTo>
+                <a:cubicBezTo>
+                  <a:pt x="2977569" y="19051"/>
+                  <a:pt x="2620228" y="38017"/>
+                  <a:pt x="2424908" y="27432"/>
+                </a:cubicBezTo>
+                <a:cubicBezTo>
+                  <a:pt x="2229588" y="16847"/>
+                  <a:pt x="2088287" y="5290"/>
+                  <a:pt x="1861117" y="27432"/>
+                </a:cubicBezTo>
+                <a:cubicBezTo>
+                  <a:pt x="1633947" y="49574"/>
+                  <a:pt x="1502447" y="8273"/>
+                  <a:pt x="1382198" y="27432"/>
+                </a:cubicBezTo>
+                <a:cubicBezTo>
+                  <a:pt x="1261949" y="46591"/>
+                  <a:pt x="1045440" y="37497"/>
+                  <a:pt x="733535" y="27432"/>
+                </a:cubicBezTo>
+                <a:cubicBezTo>
+                  <a:pt x="421630" y="17367"/>
+                  <a:pt x="341257" y="-9215"/>
+                  <a:pt x="0" y="27432"/>
+                </a:cubicBezTo>
+                <a:cubicBezTo>
+                  <a:pt x="-1048" y="14992"/>
+                  <a:pt x="-1120" y="7447"/>
+                  <a:pt x="0" y="0"/>
+                </a:cubicBezTo>
+                <a:close/>
+              </a:path>
+              <a:path w="4243589" h="27432" stroke="0" extrusionOk="0">
+                <a:moveTo>
+                  <a:pt x="0" y="0"/>
+                </a:moveTo>
+                <a:cubicBezTo>
+                  <a:pt x="128164" y="17204"/>
+                  <a:pt x="312653" y="1129"/>
+                  <a:pt x="563791" y="0"/>
+                </a:cubicBezTo>
+                <a:cubicBezTo>
+                  <a:pt x="814929" y="-1129"/>
+                  <a:pt x="837271" y="8503"/>
+                  <a:pt x="1042710" y="0"/>
+                </a:cubicBezTo>
+                <a:cubicBezTo>
+                  <a:pt x="1248149" y="-8503"/>
+                  <a:pt x="1588432" y="-28862"/>
+                  <a:pt x="1733809" y="0"/>
+                </a:cubicBezTo>
+                <a:cubicBezTo>
+                  <a:pt x="1879186" y="28862"/>
+                  <a:pt x="2052815" y="5974"/>
+                  <a:pt x="2297600" y="0"/>
+                </a:cubicBezTo>
+                <a:cubicBezTo>
+                  <a:pt x="2542385" y="-5974"/>
+                  <a:pt x="2699960" y="-23550"/>
+                  <a:pt x="2861391" y="0"/>
+                </a:cubicBezTo>
+                <a:cubicBezTo>
+                  <a:pt x="3022822" y="23550"/>
+                  <a:pt x="3390411" y="25272"/>
+                  <a:pt x="3552490" y="0"/>
+                </a:cubicBezTo>
+                <a:cubicBezTo>
+                  <a:pt x="3714569" y="-25272"/>
+                  <a:pt x="3950585" y="-31327"/>
+                  <a:pt x="4243589" y="0"/>
+                </a:cubicBezTo>
+                <a:cubicBezTo>
+                  <a:pt x="4244074" y="9333"/>
+                  <a:pt x="4244867" y="19699"/>
+                  <a:pt x="4243589" y="27432"/>
+                </a:cubicBezTo>
+                <a:cubicBezTo>
+                  <a:pt x="4130424" y="7904"/>
+                  <a:pt x="3932803" y="51393"/>
+                  <a:pt x="3722234" y="27432"/>
+                </a:cubicBezTo>
+                <a:cubicBezTo>
+                  <a:pt x="3511665" y="3471"/>
+                  <a:pt x="3269903" y="55138"/>
+                  <a:pt x="3116007" y="27432"/>
+                </a:cubicBezTo>
+                <a:cubicBezTo>
+                  <a:pt x="2962111" y="-274"/>
+                  <a:pt x="2744280" y="32368"/>
+                  <a:pt x="2509780" y="27432"/>
+                </a:cubicBezTo>
+                <a:cubicBezTo>
+                  <a:pt x="2275280" y="22496"/>
+                  <a:pt x="2066059" y="52808"/>
+                  <a:pt x="1945989" y="27432"/>
+                </a:cubicBezTo>
+                <a:cubicBezTo>
+                  <a:pt x="1825919" y="2056"/>
+                  <a:pt x="1407329" y="21760"/>
+                  <a:pt x="1254890" y="27432"/>
+                </a:cubicBezTo>
+                <a:cubicBezTo>
+                  <a:pt x="1102451" y="33104"/>
+                  <a:pt x="837950" y="40817"/>
+                  <a:pt x="563791" y="27432"/>
+                </a:cubicBezTo>
+                <a:cubicBezTo>
+                  <a:pt x="289632" y="14047"/>
+                  <a:pt x="132768" y="16249"/>
+                  <a:pt x="0" y="27432"/>
+                </a:cubicBezTo>
+                <a:cubicBezTo>
+                  <a:pt x="211" y="18145"/>
+                  <a:pt x="120" y="6480"/>
+                  <a:pt x="0" y="0"/>
+                </a:cubicBezTo>
+                <a:close/>
+              </a:path>
+            </a:pathLst>
+          </a:custGeom>
+          <a:solidFill>
+            <a:srgbClr val="96A4C6"/>
+          </a:solidFill>
+          <a:ln w="38100" cap="rnd">
+            <a:solidFill>
+              <a:srgbClr val="96A4C6"/>
+            </a:solidFill>
+            <a:round/>
+            <a:extLst>
+              <a:ext uri="{C807C97D-BFC1-408E-A445-0C87EB9F89A2}">
+                <ask:lineSketchStyleProps xmlns:ask="http://schemas.microsoft.com/office/drawing/2018/sketchyshapes" sd="1219033472">
+                  <a:prstGeom prst="rect">
+                    <a:avLst/>
+                  </a:prstGeom>
+                  <ask:type>
+                    <ask:lineSketchFreehand/>
+                  </ask:type>
+                </ask:lineSketchStyleProps>
+              </a:ext>
+            </a:extLst>
+          </a:ln>
+        </p:spPr>
+        <p:style>
+          <a:lnRef idx="2">
+            <a:schemeClr val="accent1">
+              <a:shade val="50000"/>
+            </a:schemeClr>
+          </a:lnRef>
+          <a:fillRef idx="1">
+            <a:schemeClr val="accent1"/>
+          </a:fillRef>
+          <a:effectRef idx="0">
+            <a:schemeClr val="accent1"/>
+          </a:effectRef>
+          <a:fontRef idx="minor">
+            <a:schemeClr val="lt1"/>
+          </a:fontRef>
+        </p:style>
+        <p:txBody>
+          <a:bodyPr rtlCol="0" anchor="ctr"/>
+          <a:lstStyle/>
+          <a:p>
+            <a:pPr algn="ctr"/>
+            <a:endParaRPr lang="en-US"/>
+          </a:p>
+        </p:txBody>
+      </p:sp>
+      <p:sp>
+        <p:nvSpPr>
+          <p:cNvPr id="15" name="Content Placeholder 2">
+            <a:extLst>
+              <a:ext uri="{FF2B5EF4-FFF2-40B4-BE49-F238E27FC236}">
+                <a16:creationId xmlns:a16="http://schemas.microsoft.com/office/drawing/2014/main" id="{07CCE577-0235-406B-864B-7ED06CA33CA5}"/>
+              </a:ext>
+            </a:extLst>
+          </p:cNvPr>
+          <p:cNvSpPr>
+            <a:spLocks noGrp="1"/>
+          </p:cNvSpPr>
+          <p:nvPr>
+            <p:ph idx="1"/>
+          </p:nvPr>
+        </p:nvSpPr>
+        <p:spPr>
+          <a:xfrm>
+            <a:off x="5297762" y="2706624"/>
+            <a:ext cx="6251110" cy="3483864"/>
+          </a:xfrm>
+        </p:spPr>
+        <p:txBody>
+          <a:bodyPr>
+            <a:normAutofit/>
+          </a:bodyPr>
+          <a:lstStyle/>
+          <a:p>
+            <a:pPr>
+              <a:lnSpc>
+                <a:spcPct val="100000"/>
+              </a:lnSpc>
+            </a:pPr>
+            <a:r>
+              <a:rPr lang="en-GB" sz="1300">
+                <a:latin typeface="Arial" panose="020B0604020202020204" pitchFamily="34" charset="0"/>
+                <a:cs typeface="Arial" panose="020B0604020202020204" pitchFamily="34" charset="0"/>
+              </a:rPr>
+              <a:t>To create an OOP-based web application, with utilisation of supporting tools, methodologies, technologies, that encapsulates all fundamental and practical modules covered during training.</a:t>
+            </a:r>
+          </a:p>
+          <a:p>
+            <a:pPr>
+              <a:lnSpc>
+                <a:spcPct val="100000"/>
+              </a:lnSpc>
+            </a:pPr>
+            <a:endParaRPr lang="en-GB" sz="1300">
+              <a:latin typeface="Arial" panose="020B0604020202020204" pitchFamily="34" charset="0"/>
+              <a:cs typeface="Arial" panose="020B0604020202020204" pitchFamily="34" charset="0"/>
+            </a:endParaRPr>
+          </a:p>
+          <a:p>
+            <a:pPr>
+              <a:lnSpc>
+                <a:spcPct val="100000"/>
+              </a:lnSpc>
+            </a:pPr>
+            <a:r>
+              <a:rPr lang="en-GB" sz="1300">
+                <a:latin typeface="Arial" panose="020B0604020202020204" pitchFamily="34" charset="0"/>
+                <a:cs typeface="Arial" panose="020B0604020202020204" pitchFamily="34" charset="0"/>
+              </a:rPr>
+              <a:t>Key Areas:</a:t>
+            </a:r>
+          </a:p>
+          <a:p>
+            <a:pPr lvl="1">
+              <a:lnSpc>
+                <a:spcPct val="100000"/>
+              </a:lnSpc>
+            </a:pPr>
+            <a:r>
+              <a:rPr lang="en-GB" sz="1300">
+                <a:latin typeface="Arial" panose="020B0604020202020204" pitchFamily="34" charset="0"/>
+                <a:cs typeface="Arial" panose="020B0604020202020204" pitchFamily="34" charset="0"/>
+              </a:rPr>
+              <a:t>Back-End in Java to handle information inputted from front-end.</a:t>
+            </a:r>
+          </a:p>
+          <a:p>
+            <a:pPr lvl="1">
+              <a:lnSpc>
+                <a:spcPct val="100000"/>
+              </a:lnSpc>
+            </a:pPr>
+            <a:r>
+              <a:rPr lang="en-GB" sz="1300">
+                <a:latin typeface="Arial" panose="020B0604020202020204" pitchFamily="34" charset="0"/>
+                <a:cs typeface="Arial" panose="020B0604020202020204" pitchFamily="34" charset="0"/>
+              </a:rPr>
+              <a:t>Using Sprint Boot to handle API to Database.</a:t>
+            </a:r>
+          </a:p>
+          <a:p>
+            <a:pPr lvl="1">
+              <a:lnSpc>
+                <a:spcPct val="100000"/>
+              </a:lnSpc>
+            </a:pPr>
+            <a:r>
+              <a:rPr lang="en-GB" sz="1300">
+                <a:latin typeface="Arial" panose="020B0604020202020204" pitchFamily="34" charset="0"/>
+                <a:cs typeface="Arial" panose="020B0604020202020204" pitchFamily="34" charset="0"/>
+              </a:rPr>
+              <a:t>Front-End using HTML, CSS, and JavaScript.</a:t>
+            </a:r>
+          </a:p>
+          <a:p>
+            <a:pPr lvl="1">
+              <a:lnSpc>
+                <a:spcPct val="100000"/>
+              </a:lnSpc>
+            </a:pPr>
+            <a:endParaRPr lang="en-GB" sz="1300">
+              <a:latin typeface="Arial" panose="020B0604020202020204" pitchFamily="34" charset="0"/>
+              <a:cs typeface="Arial" panose="020B0604020202020204" pitchFamily="34" charset="0"/>
+            </a:endParaRPr>
           </a:p>
         </p:txBody>
       </p:sp>
       <p:pic>
         <p:nvPicPr>
-          <p:cNvPr id="5" name="Content Placeholder 4" descr="Graphical user interface, text, application&#10;&#10;Description automatically generated">
+          <p:cNvPr id="16" name="Picture 4" descr="Technological background">
             <a:extLst>
               <a:ext uri="{FF2B5EF4-FFF2-40B4-BE49-F238E27FC236}">
-                <a16:creationId xmlns:a16="http://schemas.microsoft.com/office/drawing/2014/main" id="{F3E20E42-19B8-4975-9E8A-E743A7E49279}"/>
+                <a16:creationId xmlns:a16="http://schemas.microsoft.com/office/drawing/2014/main" id="{6A69D898-2513-4478-A315-2B2DC5A046CD}"/>
               </a:ext>
             </a:extLst>
           </p:cNvPr>
           <p:cNvPicPr>
-            <a:picLocks noGrp="1" noChangeAspect="1"/>
+            <a:picLocks noChangeAspect="1"/>
           </p:cNvPicPr>
-          <p:nvPr>
-            <p:ph idx="1"/>
-          </p:nvPr>
+          <p:nvPr/>
         </p:nvPicPr>
-        <p:blipFill>
-          <a:blip r:embed="rId2">
-            <a:extLst>
-              <a:ext uri="{28A0092B-C50C-407E-A947-70E740481C1C}">
-                <a14:useLocalDpi xmlns:a14="http://schemas.microsoft.com/office/drawing/2010/main" val="0"/>
-              </a:ext>
-            </a:extLst>
-          </a:blip>
-          <a:stretch>
-            <a:fillRect/>
-          </a:stretch>
+        <p:blipFill rotWithShape="1">
+          <a:blip r:embed="rId2"/>
+          <a:srcRect l="19866" r="34802" b="-1"/>
+          <a:stretch/>
         </p:blipFill>
         <p:spPr>
           <a:xfrm>
-            <a:off x="31766" y="1809669"/>
-            <a:ext cx="9189242" cy="4767731"/>
+            <a:off x="1" y="10"/>
+            <a:ext cx="4657344" cy="6857990"/>
           </a:xfrm>
+          <a:custGeom>
+            <a:avLst/>
+            <a:gdLst/>
+            <a:ahLst/>
+            <a:cxnLst/>
+            <a:rect l="l" t="t" r="r" b="b"/>
+            <a:pathLst>
+              <a:path w="4657344" h="6858000">
+                <a:moveTo>
+                  <a:pt x="0" y="0"/>
+                </a:moveTo>
+                <a:lnTo>
+                  <a:pt x="3429755" y="0"/>
+                </a:lnTo>
+                <a:lnTo>
+                  <a:pt x="3526016" y="148742"/>
+                </a:lnTo>
+                <a:cubicBezTo>
+                  <a:pt x="3657740" y="365513"/>
+                  <a:pt x="3777402" y="589569"/>
+                  <a:pt x="3886489" y="819975"/>
+                </a:cubicBezTo>
+                <a:cubicBezTo>
+                  <a:pt x="3891856" y="833492"/>
+                  <a:pt x="3900663" y="845393"/>
+                  <a:pt x="3912049" y="854514"/>
+                </a:cubicBezTo>
+                <a:cubicBezTo>
+                  <a:pt x="3897352" y="819849"/>
+                  <a:pt x="3883037" y="784928"/>
+                  <a:pt x="3868083" y="750263"/>
+                </a:cubicBezTo>
+                <a:cubicBezTo>
+                  <a:pt x="3806989" y="608712"/>
+                  <a:pt x="3742478" y="469145"/>
+                  <a:pt x="3674155" y="331786"/>
+                </a:cubicBezTo>
+                <a:lnTo>
+                  <a:pt x="3496656" y="0"/>
+                </a:lnTo>
+                <a:lnTo>
+                  <a:pt x="3554371" y="0"/>
+                </a:lnTo>
+                <a:lnTo>
+                  <a:pt x="3661621" y="196614"/>
+                </a:lnTo>
+                <a:cubicBezTo>
+                  <a:pt x="3856899" y="573253"/>
+                  <a:pt x="4021071" y="966066"/>
+                  <a:pt x="4161279" y="1371196"/>
+                </a:cubicBezTo>
+                <a:cubicBezTo>
+                  <a:pt x="4379525" y="2007265"/>
+                  <a:pt x="4530141" y="2664286"/>
+                  <a:pt x="4610660" y="3331516"/>
+                </a:cubicBezTo>
+                <a:cubicBezTo>
+                  <a:pt x="4652837" y="3672965"/>
+                  <a:pt x="4671625" y="4013908"/>
+                  <a:pt x="4645040" y="4357388"/>
+                </a:cubicBezTo>
+                <a:cubicBezTo>
+                  <a:pt x="4613599" y="4758899"/>
+                  <a:pt x="4566181" y="5157998"/>
+                  <a:pt x="4485789" y="5552906"/>
+                </a:cubicBezTo>
+                <a:cubicBezTo>
+                  <a:pt x="4397121" y="5988893"/>
+                  <a:pt x="4276748" y="6414594"/>
+                  <a:pt x="4117769" y="6828295"/>
+                </a:cubicBezTo>
+                <a:lnTo>
+                  <a:pt x="4105288" y="6858000"/>
+                </a:lnTo>
+                <a:lnTo>
+                  <a:pt x="4052520" y="6858000"/>
+                </a:lnTo>
+                <a:lnTo>
+                  <a:pt x="4059369" y="6841549"/>
+                </a:lnTo>
+                <a:cubicBezTo>
+                  <a:pt x="4147276" y="6614016"/>
+                  <a:pt x="4224193" y="6380817"/>
+                  <a:pt x="4291518" y="6142729"/>
+                </a:cubicBezTo>
+                <a:cubicBezTo>
+                  <a:pt x="4350055" y="5935370"/>
+                  <a:pt x="4393256" y="5723695"/>
+                  <a:pt x="4443357" y="5513923"/>
+                </a:cubicBezTo>
+                <a:cubicBezTo>
+                  <a:pt x="4444541" y="5502788"/>
+                  <a:pt x="4445137" y="5491601"/>
+                  <a:pt x="4445146" y="5480401"/>
+                </a:cubicBezTo>
+                <a:cubicBezTo>
+                  <a:pt x="4408465" y="5607635"/>
+                  <a:pt x="4379196" y="5719759"/>
+                  <a:pt x="4344559" y="5830359"/>
+                </a:cubicBezTo>
+                <a:cubicBezTo>
+                  <a:pt x="4254261" y="6118381"/>
+                  <a:pt x="4150112" y="6398531"/>
+                  <a:pt x="4031702" y="6670527"/>
+                </a:cubicBezTo>
+                <a:lnTo>
+                  <a:pt x="3943824" y="6858000"/>
+                </a:lnTo>
+                <a:lnTo>
+                  <a:pt x="0" y="6858000"/>
+                </a:lnTo>
+                <a:close/>
+              </a:path>
+            </a:pathLst>
+          </a:custGeom>
         </p:spPr>
       </p:pic>
-      <p:sp>
-        <p:nvSpPr>
-          <p:cNvPr id="6" name="TextBox 5">
-            <a:extLst>
-              <a:ext uri="{FF2B5EF4-FFF2-40B4-BE49-F238E27FC236}">
-                <a16:creationId xmlns:a16="http://schemas.microsoft.com/office/drawing/2014/main" id="{02340B0A-270E-47A2-BEEF-A1BD501C62C4}"/>
-              </a:ext>
-            </a:extLst>
-          </p:cNvPr>
-          <p:cNvSpPr txBox="1"/>
-          <p:nvPr/>
-        </p:nvSpPr>
-        <p:spPr>
-          <a:xfrm>
-            <a:off x="9221008" y="1844498"/>
-            <a:ext cx="2970992" cy="5109091"/>
-          </a:xfrm>
-          <a:prstGeom prst="rect">
-            <a:avLst/>
-          </a:prstGeom>
-          <a:noFill/>
-        </p:spPr>
-        <p:txBody>
-          <a:bodyPr wrap="square" rtlCol="0">
-            <a:spAutoFit/>
-          </a:bodyPr>
-          <a:lstStyle/>
-          <a:p>
-            <a:pPr algn="ctr"/>
-            <a:r>
-              <a:rPr lang="en-GB" dirty="0">
-                <a:latin typeface="Arial" panose="020B0604020202020204" pitchFamily="34" charset="0"/>
-                <a:cs typeface="Arial" panose="020B0604020202020204" pitchFamily="34" charset="0"/>
-              </a:rPr>
-              <a:t>Key Points</a:t>
-            </a:r>
-          </a:p>
-          <a:p>
-            <a:pPr marL="285750" indent="-285750">
-              <a:buFont typeface="Arial" panose="020B0604020202020204" pitchFamily="34" charset="0"/>
-              <a:buChar char="•"/>
-            </a:pPr>
-            <a:endParaRPr lang="en-GB" sz="1400" dirty="0">
-              <a:latin typeface="Arial" panose="020B0604020202020204" pitchFamily="34" charset="0"/>
-              <a:cs typeface="Arial" panose="020B0604020202020204" pitchFamily="34" charset="0"/>
-            </a:endParaRPr>
-          </a:p>
-          <a:p>
-            <a:pPr marL="285750" indent="-285750">
-              <a:buFont typeface="Arial" panose="020B0604020202020204" pitchFamily="34" charset="0"/>
-              <a:buChar char="•"/>
-            </a:pPr>
-            <a:r>
-              <a:rPr lang="en-GB" sz="1400" dirty="0">
-                <a:latin typeface="Arial" panose="020B0604020202020204" pitchFamily="34" charset="0"/>
-                <a:cs typeface="Arial" panose="020B0604020202020204" pitchFamily="34" charset="0"/>
-              </a:rPr>
-              <a:t>Two Sprints – One for backend, other for front end.</a:t>
-            </a:r>
-          </a:p>
-          <a:p>
-            <a:endParaRPr lang="en-GB" sz="1400" dirty="0">
-              <a:latin typeface="Arial" panose="020B0604020202020204" pitchFamily="34" charset="0"/>
-              <a:cs typeface="Arial" panose="020B0604020202020204" pitchFamily="34" charset="0"/>
-            </a:endParaRPr>
-          </a:p>
-          <a:p>
-            <a:pPr marL="285750" indent="-285750">
-              <a:buFont typeface="Arial" panose="020B0604020202020204" pitchFamily="34" charset="0"/>
-              <a:buChar char="•"/>
-            </a:pPr>
-            <a:r>
-              <a:rPr lang="en-GB" sz="1400" dirty="0">
-                <a:latin typeface="Arial" panose="020B0604020202020204" pitchFamily="34" charset="0"/>
-                <a:cs typeface="Arial" panose="020B0604020202020204" pitchFamily="34" charset="0"/>
-              </a:rPr>
-              <a:t>List of user stories, covering all CRUD functionality within the application.</a:t>
-            </a:r>
-          </a:p>
-          <a:p>
-            <a:endParaRPr lang="en-GB" sz="1400" dirty="0">
-              <a:latin typeface="Arial" panose="020B0604020202020204" pitchFamily="34" charset="0"/>
-              <a:cs typeface="Arial" panose="020B0604020202020204" pitchFamily="34" charset="0"/>
-            </a:endParaRPr>
-          </a:p>
-          <a:p>
-            <a:pPr marL="285750" indent="-285750">
-              <a:buFont typeface="Arial" panose="020B0604020202020204" pitchFamily="34" charset="0"/>
-              <a:buChar char="•"/>
-            </a:pPr>
-            <a:r>
-              <a:rPr lang="en-GB" sz="1400" dirty="0">
-                <a:latin typeface="Arial" panose="020B0604020202020204" pitchFamily="34" charset="0"/>
-                <a:cs typeface="Arial" panose="020B0604020202020204" pitchFamily="34" charset="0"/>
-              </a:rPr>
-              <a:t>Each user story has sub-tasks within, which needed to be achieved before moving the story into completed.</a:t>
-            </a:r>
-          </a:p>
-          <a:p>
-            <a:pPr marL="285750" indent="-285750">
-              <a:buFont typeface="Arial" panose="020B0604020202020204" pitchFamily="34" charset="0"/>
-              <a:buChar char="•"/>
-            </a:pPr>
-            <a:endParaRPr lang="en-GB" sz="1400" dirty="0">
-              <a:latin typeface="Arial" panose="020B0604020202020204" pitchFamily="34" charset="0"/>
-              <a:cs typeface="Arial" panose="020B0604020202020204" pitchFamily="34" charset="0"/>
-            </a:endParaRPr>
-          </a:p>
-          <a:p>
-            <a:pPr marL="285750" indent="-285750">
-              <a:buFont typeface="Arial" panose="020B0604020202020204" pitchFamily="34" charset="0"/>
-              <a:buChar char="•"/>
-            </a:pPr>
-            <a:r>
-              <a:rPr lang="en-GB" sz="1400" dirty="0">
-                <a:latin typeface="Arial" panose="020B0604020202020204" pitchFamily="34" charset="0"/>
-                <a:cs typeface="Arial" panose="020B0604020202020204" pitchFamily="34" charset="0"/>
-              </a:rPr>
-              <a:t>Each User Story was assigned to an epic.</a:t>
-            </a:r>
-          </a:p>
-          <a:p>
-            <a:pPr marL="285750" indent="-285750">
-              <a:buFont typeface="Arial" panose="020B0604020202020204" pitchFamily="34" charset="0"/>
-              <a:buChar char="•"/>
-            </a:pPr>
-            <a:endParaRPr lang="en-GB" sz="1400" dirty="0">
-              <a:latin typeface="Arial" panose="020B0604020202020204" pitchFamily="34" charset="0"/>
-              <a:cs typeface="Arial" panose="020B0604020202020204" pitchFamily="34" charset="0"/>
-            </a:endParaRPr>
-          </a:p>
-          <a:p>
-            <a:pPr marL="285750" indent="-285750">
-              <a:buFont typeface="Arial" panose="020B0604020202020204" pitchFamily="34" charset="0"/>
-              <a:buChar char="•"/>
-            </a:pPr>
-            <a:r>
-              <a:rPr lang="en-GB" sz="1400" dirty="0">
-                <a:latin typeface="Arial" panose="020B0604020202020204" pitchFamily="34" charset="0"/>
-                <a:cs typeface="Arial" panose="020B0604020202020204" pitchFamily="34" charset="0"/>
-              </a:rPr>
-              <a:t>Story points and priority was assigned. In cases where the Story points are the same are due to similar workload.</a:t>
-            </a:r>
-          </a:p>
-          <a:p>
-            <a:pPr marL="285750" indent="-285750">
-              <a:buFont typeface="Arial" panose="020B0604020202020204" pitchFamily="34" charset="0"/>
-              <a:buChar char="•"/>
-            </a:pPr>
-            <a:endParaRPr lang="en-GB" sz="1400" dirty="0">
-              <a:latin typeface="Arial" panose="020B0604020202020204" pitchFamily="34" charset="0"/>
-              <a:cs typeface="Arial" panose="020B0604020202020204" pitchFamily="34" charset="0"/>
-            </a:endParaRPr>
-          </a:p>
-          <a:p>
-            <a:pPr marL="285750" indent="-285750">
-              <a:buFont typeface="Arial" panose="020B0604020202020204" pitchFamily="34" charset="0"/>
-              <a:buChar char="•"/>
-            </a:pPr>
-            <a:endParaRPr lang="en-GB" sz="1400" dirty="0">
-              <a:latin typeface="Arial" panose="020B0604020202020204" pitchFamily="34" charset="0"/>
-              <a:cs typeface="Arial" panose="020B0604020202020204" pitchFamily="34" charset="0"/>
-            </a:endParaRPr>
-          </a:p>
-        </p:txBody>
-      </p:sp>
     </p:spTree>
     <p:extLst>
       <p:ext uri="{BB962C8B-B14F-4D97-AF65-F5344CB8AC3E}">
-        <p14:creationId xmlns:p14="http://schemas.microsoft.com/office/powerpoint/2010/main" val="916712322"/>
+        <p14:creationId xmlns:p14="http://schemas.microsoft.com/office/powerpoint/2010/main" val="1993672323"/>
       </p:ext>
     </p:extLst>
   </p:cSld>
@@ -8517,7 +9058,7 @@
           <p:cNvPr id="2" name="Title 1">
             <a:extLst>
               <a:ext uri="{FF2B5EF4-FFF2-40B4-BE49-F238E27FC236}">
-                <a16:creationId xmlns:a16="http://schemas.microsoft.com/office/drawing/2014/main" id="{60FCDCDA-A745-4BE1-A3B8-BDBAABD67B6D}"/>
+                <a16:creationId xmlns:a16="http://schemas.microsoft.com/office/drawing/2014/main" id="{9368F71E-6C46-4460-915C-22C5D9FCAD00}"/>
               </a:ext>
             </a:extLst>
           </p:cNvPr>
@@ -8528,7 +9069,12 @@
             <p:ph type="title"/>
           </p:nvPr>
         </p:nvSpPr>
-        <p:spPr/>
+        <p:spPr>
+          <a:xfrm>
+            <a:off x="838200" y="149281"/>
+            <a:ext cx="10515600" cy="1247830"/>
+          </a:xfrm>
+        </p:spPr>
         <p:txBody>
           <a:bodyPr/>
           <a:lstStyle/>
@@ -8539,17 +9085,17 @@
                 <a:latin typeface="Arial" panose="020B0604020202020204" pitchFamily="34" charset="0"/>
                 <a:cs typeface="Arial" panose="020B0604020202020204" pitchFamily="34" charset="0"/>
               </a:rPr>
-              <a:t>GIT, GitHub, and Agile</a:t>
+              <a:t>Project Management</a:t>
             </a:r>
           </a:p>
         </p:txBody>
       </p:sp>
       <p:pic>
         <p:nvPicPr>
-          <p:cNvPr id="5" name="Content Placeholder 4" descr="Diagram&#10;&#10;Description automatically generated">
+          <p:cNvPr id="5" name="Content Placeholder 4" descr="Graphical user interface, text, application&#10;&#10;Description automatically generated">
             <a:extLst>
               <a:ext uri="{FF2B5EF4-FFF2-40B4-BE49-F238E27FC236}">
-                <a16:creationId xmlns:a16="http://schemas.microsoft.com/office/drawing/2014/main" id="{63485DDB-6C62-4AE0-A235-2E02D90CE371}"/>
+                <a16:creationId xmlns:a16="http://schemas.microsoft.com/office/drawing/2014/main" id="{F3E20E42-19B8-4975-9E8A-E743A7E49279}"/>
               </a:ext>
             </a:extLst>
           </p:cNvPr>
@@ -8574,15 +9120,181 @@
         </p:blipFill>
         <p:spPr>
           <a:xfrm>
-            <a:off x="838200" y="1906726"/>
-            <a:ext cx="4648199" cy="2033587"/>
+            <a:off x="31766" y="1809669"/>
+            <a:ext cx="9189242" cy="4767731"/>
           </a:xfrm>
         </p:spPr>
       </p:pic>
+      <p:sp>
+        <p:nvSpPr>
+          <p:cNvPr id="6" name="TextBox 5">
+            <a:extLst>
+              <a:ext uri="{FF2B5EF4-FFF2-40B4-BE49-F238E27FC236}">
+                <a16:creationId xmlns:a16="http://schemas.microsoft.com/office/drawing/2014/main" id="{02340B0A-270E-47A2-BEEF-A1BD501C62C4}"/>
+              </a:ext>
+            </a:extLst>
+          </p:cNvPr>
+          <p:cNvSpPr txBox="1"/>
+          <p:nvPr/>
+        </p:nvSpPr>
+        <p:spPr>
+          <a:xfrm>
+            <a:off x="9221008" y="1844498"/>
+            <a:ext cx="2970992" cy="5109091"/>
+          </a:xfrm>
+          <a:prstGeom prst="rect">
+            <a:avLst/>
+          </a:prstGeom>
+          <a:noFill/>
+        </p:spPr>
+        <p:txBody>
+          <a:bodyPr wrap="square" rtlCol="0">
+            <a:spAutoFit/>
+          </a:bodyPr>
+          <a:lstStyle/>
+          <a:p>
+            <a:pPr algn="ctr"/>
+            <a:r>
+              <a:rPr lang="en-GB" dirty="0">
+                <a:latin typeface="Arial" panose="020B0604020202020204" pitchFamily="34" charset="0"/>
+                <a:cs typeface="Arial" panose="020B0604020202020204" pitchFamily="34" charset="0"/>
+              </a:rPr>
+              <a:t>Key Points</a:t>
+            </a:r>
+          </a:p>
+          <a:p>
+            <a:pPr marL="285750" indent="-285750">
+              <a:buFont typeface="Arial" panose="020B0604020202020204" pitchFamily="34" charset="0"/>
+              <a:buChar char="•"/>
+            </a:pPr>
+            <a:endParaRPr lang="en-GB" sz="1400" dirty="0">
+              <a:latin typeface="Arial" panose="020B0604020202020204" pitchFamily="34" charset="0"/>
+              <a:cs typeface="Arial" panose="020B0604020202020204" pitchFamily="34" charset="0"/>
+            </a:endParaRPr>
+          </a:p>
+          <a:p>
+            <a:pPr marL="285750" indent="-285750">
+              <a:buFont typeface="Arial" panose="020B0604020202020204" pitchFamily="34" charset="0"/>
+              <a:buChar char="•"/>
+            </a:pPr>
+            <a:r>
+              <a:rPr lang="en-GB" sz="1400" dirty="0">
+                <a:latin typeface="Arial" panose="020B0604020202020204" pitchFamily="34" charset="0"/>
+                <a:cs typeface="Arial" panose="020B0604020202020204" pitchFamily="34" charset="0"/>
+              </a:rPr>
+              <a:t>Two Sprints – One for backend, other for front end.</a:t>
+            </a:r>
+          </a:p>
+          <a:p>
+            <a:endParaRPr lang="en-GB" sz="1400" dirty="0">
+              <a:latin typeface="Arial" panose="020B0604020202020204" pitchFamily="34" charset="0"/>
+              <a:cs typeface="Arial" panose="020B0604020202020204" pitchFamily="34" charset="0"/>
+            </a:endParaRPr>
+          </a:p>
+          <a:p>
+            <a:pPr marL="285750" indent="-285750">
+              <a:buFont typeface="Arial" panose="020B0604020202020204" pitchFamily="34" charset="0"/>
+              <a:buChar char="•"/>
+            </a:pPr>
+            <a:r>
+              <a:rPr lang="en-GB" sz="1400" dirty="0">
+                <a:latin typeface="Arial" panose="020B0604020202020204" pitchFamily="34" charset="0"/>
+                <a:cs typeface="Arial" panose="020B0604020202020204" pitchFamily="34" charset="0"/>
+              </a:rPr>
+              <a:t>List of user stories, covering all CRUD functionality within the application.</a:t>
+            </a:r>
+          </a:p>
+          <a:p>
+            <a:endParaRPr lang="en-GB" sz="1400" dirty="0">
+              <a:latin typeface="Arial" panose="020B0604020202020204" pitchFamily="34" charset="0"/>
+              <a:cs typeface="Arial" panose="020B0604020202020204" pitchFamily="34" charset="0"/>
+            </a:endParaRPr>
+          </a:p>
+          <a:p>
+            <a:pPr marL="285750" indent="-285750">
+              <a:buFont typeface="Arial" panose="020B0604020202020204" pitchFamily="34" charset="0"/>
+              <a:buChar char="•"/>
+            </a:pPr>
+            <a:r>
+              <a:rPr lang="en-GB" sz="1400" dirty="0">
+                <a:latin typeface="Arial" panose="020B0604020202020204" pitchFamily="34" charset="0"/>
+                <a:cs typeface="Arial" panose="020B0604020202020204" pitchFamily="34" charset="0"/>
+              </a:rPr>
+              <a:t>Each user story has sub-tasks within, which needed to be achieved before moving the story into completed.</a:t>
+            </a:r>
+          </a:p>
+          <a:p>
+            <a:pPr marL="285750" indent="-285750">
+              <a:buFont typeface="Arial" panose="020B0604020202020204" pitchFamily="34" charset="0"/>
+              <a:buChar char="•"/>
+            </a:pPr>
+            <a:endParaRPr lang="en-GB" sz="1400" dirty="0">
+              <a:latin typeface="Arial" panose="020B0604020202020204" pitchFamily="34" charset="0"/>
+              <a:cs typeface="Arial" panose="020B0604020202020204" pitchFamily="34" charset="0"/>
+            </a:endParaRPr>
+          </a:p>
+          <a:p>
+            <a:pPr marL="285750" indent="-285750">
+              <a:buFont typeface="Arial" panose="020B0604020202020204" pitchFamily="34" charset="0"/>
+              <a:buChar char="•"/>
+            </a:pPr>
+            <a:r>
+              <a:rPr lang="en-GB" sz="1400" dirty="0">
+                <a:latin typeface="Arial" panose="020B0604020202020204" pitchFamily="34" charset="0"/>
+                <a:cs typeface="Arial" panose="020B0604020202020204" pitchFamily="34" charset="0"/>
+              </a:rPr>
+              <a:t>Each User Story was assigned to an epic.</a:t>
+            </a:r>
+          </a:p>
+          <a:p>
+            <a:pPr marL="285750" indent="-285750">
+              <a:buFont typeface="Arial" panose="020B0604020202020204" pitchFamily="34" charset="0"/>
+              <a:buChar char="•"/>
+            </a:pPr>
+            <a:endParaRPr lang="en-GB" sz="1400" dirty="0">
+              <a:latin typeface="Arial" panose="020B0604020202020204" pitchFamily="34" charset="0"/>
+              <a:cs typeface="Arial" panose="020B0604020202020204" pitchFamily="34" charset="0"/>
+            </a:endParaRPr>
+          </a:p>
+          <a:p>
+            <a:pPr marL="285750" indent="-285750">
+              <a:buFont typeface="Arial" panose="020B0604020202020204" pitchFamily="34" charset="0"/>
+              <a:buChar char="•"/>
+            </a:pPr>
+            <a:r>
+              <a:rPr lang="en-GB" sz="1400" dirty="0">
+                <a:latin typeface="Arial" panose="020B0604020202020204" pitchFamily="34" charset="0"/>
+                <a:cs typeface="Arial" panose="020B0604020202020204" pitchFamily="34" charset="0"/>
+              </a:rPr>
+              <a:t>Story points and priority was assigned. In cases where the Story points are the same are due to similar workload.</a:t>
+            </a:r>
+          </a:p>
+          <a:p>
+            <a:pPr marL="285750" indent="-285750">
+              <a:buFont typeface="Arial" panose="020B0604020202020204" pitchFamily="34" charset="0"/>
+              <a:buChar char="•"/>
+            </a:pPr>
+            <a:endParaRPr lang="en-GB" sz="1400" dirty="0">
+              <a:latin typeface="Arial" panose="020B0604020202020204" pitchFamily="34" charset="0"/>
+              <a:cs typeface="Arial" panose="020B0604020202020204" pitchFamily="34" charset="0"/>
+            </a:endParaRPr>
+          </a:p>
+          <a:p>
+            <a:pPr marL="285750" indent="-285750">
+              <a:buFont typeface="Arial" panose="020B0604020202020204" pitchFamily="34" charset="0"/>
+              <a:buChar char="•"/>
+            </a:pPr>
+            <a:endParaRPr lang="en-GB" sz="1400" dirty="0">
+              <a:latin typeface="Arial" panose="020B0604020202020204" pitchFamily="34" charset="0"/>
+              <a:cs typeface="Arial" panose="020B0604020202020204" pitchFamily="34" charset="0"/>
+            </a:endParaRPr>
+          </a:p>
+        </p:txBody>
+      </p:sp>
     </p:spTree>
     <p:extLst>
       <p:ext uri="{BB962C8B-B14F-4D97-AF65-F5344CB8AC3E}">
-        <p14:creationId xmlns:p14="http://schemas.microsoft.com/office/powerpoint/2010/main" val="3364242767"/>
+        <p14:creationId xmlns:p14="http://schemas.microsoft.com/office/powerpoint/2010/main" val="916712322"/>
       </p:ext>
     </p:extLst>
   </p:cSld>
@@ -8614,7 +9326,7 @@
           <p:cNvPr id="2" name="Title 1">
             <a:extLst>
               <a:ext uri="{FF2B5EF4-FFF2-40B4-BE49-F238E27FC236}">
-                <a16:creationId xmlns:a16="http://schemas.microsoft.com/office/drawing/2014/main" id="{9FB07F32-9BD1-4254-A3DD-B207BDE0822A}"/>
+                <a16:creationId xmlns:a16="http://schemas.microsoft.com/office/drawing/2014/main" id="{60FCDCDA-A745-4BE1-A3B8-BDBAABD67B6D}"/>
               </a:ext>
             </a:extLst>
           </p:cNvPr>
@@ -8627,9 +9339,7 @@
         </p:nvSpPr>
         <p:spPr/>
         <p:txBody>
-          <a:bodyPr>
-            <a:normAutofit/>
-          </a:bodyPr>
+          <a:bodyPr/>
           <a:lstStyle/>
           <a:p>
             <a:pPr algn="ctr"/>
@@ -8638,40 +9348,136 @@
                 <a:latin typeface="Arial" panose="020B0604020202020204" pitchFamily="34" charset="0"/>
                 <a:cs typeface="Arial" panose="020B0604020202020204" pitchFamily="34" charset="0"/>
               </a:rPr>
-              <a:t>Development of the Code</a:t>
+              <a:t>Entity Relationship Diagrams</a:t>
             </a:r>
           </a:p>
         </p:txBody>
       </p:sp>
-      <p:sp>
-        <p:nvSpPr>
-          <p:cNvPr id="3" name="Content Placeholder 2">
+      <p:pic>
+        <p:nvPicPr>
+          <p:cNvPr id="7" name="Content Placeholder 6" descr="Diagram&#10;&#10;Description automatically generated">
             <a:extLst>
               <a:ext uri="{FF2B5EF4-FFF2-40B4-BE49-F238E27FC236}">
-                <a16:creationId xmlns:a16="http://schemas.microsoft.com/office/drawing/2014/main" id="{F8412938-B11A-4867-87A6-F7295118F6D9}"/>
+                <a16:creationId xmlns:a16="http://schemas.microsoft.com/office/drawing/2014/main" id="{87860948-E404-4566-8328-10D6EDE9D0A9}"/>
               </a:ext>
             </a:extLst>
           </p:cNvPr>
-          <p:cNvSpPr>
-            <a:spLocks noGrp="1"/>
-          </p:cNvSpPr>
+          <p:cNvPicPr>
+            <a:picLocks noGrp="1" noChangeAspect="1"/>
+          </p:cNvPicPr>
           <p:nvPr>
             <p:ph idx="1"/>
           </p:nvPr>
+        </p:nvPicPr>
+        <p:blipFill>
+          <a:blip r:embed="rId2">
+            <a:extLst>
+              <a:ext uri="{28A0092B-C50C-407E-A947-70E740481C1C}">
+                <a14:useLocalDpi xmlns:a14="http://schemas.microsoft.com/office/drawing/2010/main" val="0"/>
+              </a:ext>
+            </a:extLst>
+          </a:blip>
+          <a:stretch>
+            <a:fillRect/>
+          </a:stretch>
+        </p:blipFill>
+        <p:spPr>
+          <a:xfrm>
+            <a:off x="838200" y="1952898"/>
+            <a:ext cx="5368016" cy="2146441"/>
+          </a:xfrm>
+        </p:spPr>
+      </p:pic>
+      <p:pic>
+        <p:nvPicPr>
+          <p:cNvPr id="9" name="Picture 8" descr="Diagram&#10;&#10;Description automatically generated">
+            <a:extLst>
+              <a:ext uri="{FF2B5EF4-FFF2-40B4-BE49-F238E27FC236}">
+                <a16:creationId xmlns:a16="http://schemas.microsoft.com/office/drawing/2014/main" id="{98EC7B26-5781-4FEB-8877-05738D65A5A8}"/>
+              </a:ext>
+            </a:extLst>
+          </p:cNvPr>
+          <p:cNvPicPr>
+            <a:picLocks noChangeAspect="1"/>
+          </p:cNvPicPr>
+          <p:nvPr/>
+        </p:nvPicPr>
+        <p:blipFill>
+          <a:blip r:embed="rId3">
+            <a:extLst>
+              <a:ext uri="{28A0092B-C50C-407E-A947-70E740481C1C}">
+                <a14:useLocalDpi xmlns:a14="http://schemas.microsoft.com/office/drawing/2010/main" val="0"/>
+              </a:ext>
+            </a:extLst>
+          </a:blip>
+          <a:stretch>
+            <a:fillRect/>
+          </a:stretch>
+        </p:blipFill>
+        <p:spPr>
+          <a:xfrm>
+            <a:off x="6387548" y="1952898"/>
+            <a:ext cx="4966252" cy="2146440"/>
+          </a:xfrm>
+          <a:prstGeom prst="rect">
+            <a:avLst/>
+          </a:prstGeom>
+        </p:spPr>
+      </p:pic>
+      <p:sp>
+        <p:nvSpPr>
+          <p:cNvPr id="10" name="TextBox 9">
+            <a:extLst>
+              <a:ext uri="{FF2B5EF4-FFF2-40B4-BE49-F238E27FC236}">
+                <a16:creationId xmlns:a16="http://schemas.microsoft.com/office/drawing/2014/main" id="{B39D2A03-EC94-4E13-927A-61BB755BF9BB}"/>
+              </a:ext>
+            </a:extLst>
+          </p:cNvPr>
+          <p:cNvSpPr txBox="1"/>
+          <p:nvPr/>
         </p:nvSpPr>
-        <p:spPr/>
+        <p:spPr>
+          <a:xfrm>
+            <a:off x="838200" y="4421809"/>
+            <a:ext cx="10554252" cy="1200329"/>
+          </a:xfrm>
+          <a:prstGeom prst="rect">
+            <a:avLst/>
+          </a:prstGeom>
+          <a:noFill/>
+        </p:spPr>
         <p:txBody>
-          <a:bodyPr/>
+          <a:bodyPr wrap="square" rtlCol="0">
+            <a:spAutoFit/>
+          </a:bodyPr>
           <a:lstStyle/>
           <a:p>
-            <a:endParaRPr lang="en-GB"/>
+            <a:r>
+              <a:rPr lang="en-GB" dirty="0">
+                <a:latin typeface="Arial" panose="020B0604020202020204" pitchFamily="34" charset="0"/>
+                <a:cs typeface="Arial" panose="020B0604020202020204" pitchFamily="34" charset="0"/>
+              </a:rPr>
+              <a:t>I designed two Relationship diagrams. In the future I would like to add customer functionality to the program, making it so that when you sign in you get personalised content and personal lists.</a:t>
+            </a:r>
+          </a:p>
+          <a:p>
+            <a:endParaRPr lang="en-GB" dirty="0">
+              <a:latin typeface="Arial" panose="020B0604020202020204" pitchFamily="34" charset="0"/>
+              <a:cs typeface="Arial" panose="020B0604020202020204" pitchFamily="34" charset="0"/>
+            </a:endParaRPr>
+          </a:p>
+          <a:p>
+            <a:endParaRPr lang="en-GB" dirty="0">
+              <a:latin typeface="Arial" panose="020B0604020202020204" pitchFamily="34" charset="0"/>
+              <a:cs typeface="Arial" panose="020B0604020202020204" pitchFamily="34" charset="0"/>
+            </a:endParaRPr>
           </a:p>
         </p:txBody>
       </p:sp>
     </p:spTree>
     <p:extLst>
       <p:ext uri="{BB962C8B-B14F-4D97-AF65-F5344CB8AC3E}">
-        <p14:creationId xmlns:p14="http://schemas.microsoft.com/office/powerpoint/2010/main" val="226341845"/>
+        <p14:creationId xmlns:p14="http://schemas.microsoft.com/office/powerpoint/2010/main" val="3364242767"/>
       </p:ext>
     </p:extLst>
   </p:cSld>
@@ -8703,7 +9509,7 @@
           <p:cNvPr id="2" name="Title 1">
             <a:extLst>
               <a:ext uri="{FF2B5EF4-FFF2-40B4-BE49-F238E27FC236}">
-                <a16:creationId xmlns:a16="http://schemas.microsoft.com/office/drawing/2014/main" id="{6A9EB8DB-B95D-4895-A9C2-1FF3058C9F2A}"/>
+                <a16:creationId xmlns:a16="http://schemas.microsoft.com/office/drawing/2014/main" id="{557D3582-D1F9-4DC3-AC82-82F7FD9B3C53}"/>
               </a:ext>
             </a:extLst>
           </p:cNvPr>
@@ -8716,49 +9522,65 @@
         </p:nvSpPr>
         <p:spPr/>
         <p:txBody>
-          <a:bodyPr/>
+          <a:bodyPr>
+            <a:normAutofit/>
+          </a:bodyPr>
           <a:lstStyle/>
           <a:p>
             <a:pPr algn="ctr"/>
             <a:r>
-              <a:rPr lang="en-GB" dirty="0">
+              <a:rPr lang="en-GB" sz="4000">
                 <a:latin typeface="Arial" panose="020B0604020202020204" pitchFamily="34" charset="0"/>
                 <a:cs typeface="Arial" panose="020B0604020202020204" pitchFamily="34" charset="0"/>
               </a:rPr>
-              <a:t>Code Functionality</a:t>
+              <a:t>Unified Modelling Language (UML)</a:t>
             </a:r>
+            <a:endParaRPr lang="en-GB" sz="4000" dirty="0">
+              <a:latin typeface="Arial" panose="020B0604020202020204" pitchFamily="34" charset="0"/>
+              <a:cs typeface="Arial" panose="020B0604020202020204" pitchFamily="34" charset="0"/>
+            </a:endParaRPr>
           </a:p>
         </p:txBody>
       </p:sp>
-      <p:sp>
-        <p:nvSpPr>
-          <p:cNvPr id="3" name="Content Placeholder 2">
+      <p:pic>
+        <p:nvPicPr>
+          <p:cNvPr id="5" name="Content Placeholder 4">
             <a:extLst>
               <a:ext uri="{FF2B5EF4-FFF2-40B4-BE49-F238E27FC236}">
-                <a16:creationId xmlns:a16="http://schemas.microsoft.com/office/drawing/2014/main" id="{1B2726DF-22D0-43E2-A3E7-01458A416C1A}"/>
+                <a16:creationId xmlns:a16="http://schemas.microsoft.com/office/drawing/2014/main" id="{3D47BBEC-71A4-4A6E-BE4A-EE3C1180A948}"/>
               </a:ext>
             </a:extLst>
           </p:cNvPr>
-          <p:cNvSpPr>
-            <a:spLocks noGrp="1"/>
-          </p:cNvSpPr>
+          <p:cNvPicPr>
+            <a:picLocks noGrp="1" noChangeAspect="1"/>
+          </p:cNvPicPr>
           <p:nvPr>
             <p:ph idx="1"/>
           </p:nvPr>
-        </p:nvSpPr>
-        <p:spPr/>
-        <p:txBody>
-          <a:bodyPr/>
-          <a:lstStyle/>
-          <a:p>
-            <a:endParaRPr lang="en-GB"/>
-          </a:p>
-        </p:txBody>
-      </p:sp>
+        </p:nvPicPr>
+        <p:blipFill>
+          <a:blip r:embed="rId2">
+            <a:extLst>
+              <a:ext uri="{28A0092B-C50C-407E-A947-70E740481C1C}">
+                <a14:useLocalDpi xmlns:a14="http://schemas.microsoft.com/office/drawing/2010/main" val="0"/>
+              </a:ext>
+            </a:extLst>
+          </a:blip>
+          <a:stretch>
+            <a:fillRect/>
+          </a:stretch>
+        </p:blipFill>
+        <p:spPr>
+          <a:xfrm>
+            <a:off x="3095207" y="1928813"/>
+            <a:ext cx="6001585" cy="4252912"/>
+          </a:xfrm>
+        </p:spPr>
+      </p:pic>
     </p:spTree>
     <p:extLst>
       <p:ext uri="{BB962C8B-B14F-4D97-AF65-F5344CB8AC3E}">
-        <p14:creationId xmlns:p14="http://schemas.microsoft.com/office/powerpoint/2010/main" val="2462730706"/>
+        <p14:creationId xmlns:p14="http://schemas.microsoft.com/office/powerpoint/2010/main" val="2487494376"/>
       </p:ext>
     </p:extLst>
   </p:cSld>
@@ -8790,7 +9612,7 @@
           <p:cNvPr id="2" name="Title 1">
             <a:extLst>
               <a:ext uri="{FF2B5EF4-FFF2-40B4-BE49-F238E27FC236}">
-                <a16:creationId xmlns:a16="http://schemas.microsoft.com/office/drawing/2014/main" id="{61680BF7-1A86-482E-BBF3-C32200F26784}"/>
+                <a16:creationId xmlns:a16="http://schemas.microsoft.com/office/drawing/2014/main" id="{6A9EB8DB-B95D-4895-A9C2-1FF3058C9F2A}"/>
               </a:ext>
             </a:extLst>
           </p:cNvPr>
@@ -8812,40 +9634,167 @@
                 <a:latin typeface="Arial" panose="020B0604020202020204" pitchFamily="34" charset="0"/>
                 <a:cs typeface="Arial" panose="020B0604020202020204" pitchFamily="34" charset="0"/>
               </a:rPr>
-              <a:t>Testing and Coverage</a:t>
+              <a:t>GitHub – Git - Branches</a:t>
             </a:r>
           </a:p>
         </p:txBody>
       </p:sp>
-      <p:sp>
-        <p:nvSpPr>
-          <p:cNvPr id="3" name="Content Placeholder 2">
+      <p:pic>
+        <p:nvPicPr>
+          <p:cNvPr id="5" name="Content Placeholder 4" descr="A picture containing text, monitor, screenshot, screen&#10;&#10;Description automatically generated">
             <a:extLst>
               <a:ext uri="{FF2B5EF4-FFF2-40B4-BE49-F238E27FC236}">
-                <a16:creationId xmlns:a16="http://schemas.microsoft.com/office/drawing/2014/main" id="{45F24A13-44F2-42CA-AC4F-0592B6F0898E}"/>
+                <a16:creationId xmlns:a16="http://schemas.microsoft.com/office/drawing/2014/main" id="{6F7E2595-7423-4D5B-A59A-891CD8906767}"/>
               </a:ext>
             </a:extLst>
           </p:cNvPr>
-          <p:cNvSpPr>
-            <a:spLocks noGrp="1"/>
-          </p:cNvSpPr>
+          <p:cNvPicPr>
+            <a:picLocks noGrp="1" noChangeAspect="1"/>
+          </p:cNvPicPr>
           <p:nvPr>
             <p:ph idx="1"/>
           </p:nvPr>
+        </p:nvPicPr>
+        <p:blipFill>
+          <a:blip r:embed="rId2">
+            <a:extLst>
+              <a:ext uri="{28A0092B-C50C-407E-A947-70E740481C1C}">
+                <a14:useLocalDpi xmlns:a14="http://schemas.microsoft.com/office/drawing/2010/main" val="0"/>
+              </a:ext>
+            </a:extLst>
+          </a:blip>
+          <a:stretch>
+            <a:fillRect/>
+          </a:stretch>
+        </p:blipFill>
+        <p:spPr>
+          <a:xfrm>
+            <a:off x="6639338" y="1875805"/>
+            <a:ext cx="5422503" cy="3132606"/>
+          </a:xfrm>
+        </p:spPr>
+      </p:pic>
+      <p:pic>
+        <p:nvPicPr>
+          <p:cNvPr id="7" name="Picture 6" descr="A screenshot of a computer&#10;&#10;Description automatically generated">
+            <a:extLst>
+              <a:ext uri="{FF2B5EF4-FFF2-40B4-BE49-F238E27FC236}">
+                <a16:creationId xmlns:a16="http://schemas.microsoft.com/office/drawing/2014/main" id="{5224B4CA-A9F1-43C6-9099-EDA131DE7E68}"/>
+              </a:ext>
+            </a:extLst>
+          </p:cNvPr>
+          <p:cNvPicPr>
+            <a:picLocks noChangeAspect="1"/>
+          </p:cNvPicPr>
+          <p:nvPr/>
+        </p:nvPicPr>
+        <p:blipFill>
+          <a:blip r:embed="rId3">
+            <a:extLst>
+              <a:ext uri="{28A0092B-C50C-407E-A947-70E740481C1C}">
+                <a14:useLocalDpi xmlns:a14="http://schemas.microsoft.com/office/drawing/2010/main" val="0"/>
+              </a:ext>
+            </a:extLst>
+          </a:blip>
+          <a:stretch>
+            <a:fillRect/>
+          </a:stretch>
+        </p:blipFill>
+        <p:spPr>
+          <a:xfrm>
+            <a:off x="473512" y="1875805"/>
+            <a:ext cx="6121368" cy="3132606"/>
+          </a:xfrm>
+          <a:prstGeom prst="rect">
+            <a:avLst/>
+          </a:prstGeom>
+        </p:spPr>
+      </p:pic>
+      <p:sp>
+        <p:nvSpPr>
+          <p:cNvPr id="8" name="TextBox 7">
+            <a:extLst>
+              <a:ext uri="{FF2B5EF4-FFF2-40B4-BE49-F238E27FC236}">
+                <a16:creationId xmlns:a16="http://schemas.microsoft.com/office/drawing/2014/main" id="{8A7E0636-9FFF-4E32-ABA7-E6E5602B2F81}"/>
+              </a:ext>
+            </a:extLst>
+          </p:cNvPr>
+          <p:cNvSpPr txBox="1"/>
+          <p:nvPr/>
         </p:nvSpPr>
-        <p:spPr/>
+        <p:spPr>
+          <a:xfrm>
+            <a:off x="473512" y="5314123"/>
+            <a:ext cx="11251096" cy="1477328"/>
+          </a:xfrm>
+          <a:prstGeom prst="rect">
+            <a:avLst/>
+          </a:prstGeom>
+          <a:noFill/>
+        </p:spPr>
         <p:txBody>
-          <a:bodyPr/>
+          <a:bodyPr wrap="square" rtlCol="0">
+            <a:spAutoFit/>
+          </a:bodyPr>
           <a:lstStyle/>
           <a:p>
-            <a:endParaRPr lang="en-GB"/>
+            <a:pPr marL="285750" indent="-285750">
+              <a:buFont typeface="Arial" panose="020B0604020202020204" pitchFamily="34" charset="0"/>
+              <a:buChar char="•"/>
+            </a:pPr>
+            <a:r>
+              <a:rPr lang="en-GB" dirty="0">
+                <a:latin typeface="Arial" panose="020B0604020202020204" pitchFamily="34" charset="0"/>
+                <a:cs typeface="Arial" panose="020B0604020202020204" pitchFamily="34" charset="0"/>
+              </a:rPr>
+              <a:t>Using Git, I was able to create multiple feature branches as show in the image on the left.</a:t>
+            </a:r>
+          </a:p>
+          <a:p>
+            <a:pPr marL="742950" lvl="1" indent="-285750">
+              <a:buFont typeface="Arial" panose="020B0604020202020204" pitchFamily="34" charset="0"/>
+              <a:buChar char="•"/>
+            </a:pPr>
+            <a:r>
+              <a:rPr lang="en-GB" dirty="0">
+                <a:latin typeface="Arial" panose="020B0604020202020204" pitchFamily="34" charset="0"/>
+                <a:cs typeface="Arial" panose="020B0604020202020204" pitchFamily="34" charset="0"/>
+              </a:rPr>
+              <a:t>From here I was able to test functionality before moving it back into Development Branch.</a:t>
+            </a:r>
+          </a:p>
+          <a:p>
+            <a:pPr lvl="1"/>
+            <a:endParaRPr lang="en-GB" dirty="0">
+              <a:latin typeface="Arial" panose="020B0604020202020204" pitchFamily="34" charset="0"/>
+              <a:cs typeface="Arial" panose="020B0604020202020204" pitchFamily="34" charset="0"/>
+            </a:endParaRPr>
+          </a:p>
+          <a:p>
+            <a:pPr marL="285750" indent="-285750">
+              <a:buFont typeface="Arial" panose="020B0604020202020204" pitchFamily="34" charset="0"/>
+              <a:buChar char="•"/>
+            </a:pPr>
+            <a:r>
+              <a:rPr lang="en-GB" dirty="0">
+                <a:latin typeface="Arial" panose="020B0604020202020204" pitchFamily="34" charset="0"/>
+                <a:cs typeface="Arial" panose="020B0604020202020204" pitchFamily="34" charset="0"/>
+              </a:rPr>
+              <a:t>Image on the right shows the Network graph, as you can see there are multiple branches operating.</a:t>
+            </a:r>
+          </a:p>
+          <a:p>
+            <a:endParaRPr lang="en-GB" dirty="0">
+              <a:latin typeface="Arial" panose="020B0604020202020204" pitchFamily="34" charset="0"/>
+              <a:cs typeface="Arial" panose="020B0604020202020204" pitchFamily="34" charset="0"/>
+            </a:endParaRPr>
           </a:p>
         </p:txBody>
       </p:sp>
     </p:spTree>
     <p:extLst>
       <p:ext uri="{BB962C8B-B14F-4D97-AF65-F5344CB8AC3E}">
-        <p14:creationId xmlns:p14="http://schemas.microsoft.com/office/powerpoint/2010/main" val="4192669531"/>
+        <p14:creationId xmlns:p14="http://schemas.microsoft.com/office/powerpoint/2010/main" val="2462730706"/>
       </p:ext>
     </p:extLst>
   </p:cSld>
@@ -8877,7 +9826,7 @@
           <p:cNvPr id="2" name="Title 1">
             <a:extLst>
               <a:ext uri="{FF2B5EF4-FFF2-40B4-BE49-F238E27FC236}">
-                <a16:creationId xmlns:a16="http://schemas.microsoft.com/office/drawing/2014/main" id="{CB0983D7-9AAF-4031-87AA-184C19CDDAB8}"/>
+                <a16:creationId xmlns:a16="http://schemas.microsoft.com/office/drawing/2014/main" id="{61680BF7-1A86-482E-BBF3-C32200F26784}"/>
               </a:ext>
             </a:extLst>
           </p:cNvPr>
@@ -8899,40 +9848,164 @@
                 <a:latin typeface="Arial" panose="020B0604020202020204" pitchFamily="34" charset="0"/>
                 <a:cs typeface="Arial" panose="020B0604020202020204" pitchFamily="34" charset="0"/>
               </a:rPr>
-              <a:t>Front-End Application</a:t>
+              <a:t>Testing and Coverage</a:t>
             </a:r>
           </a:p>
         </p:txBody>
       </p:sp>
-      <p:sp>
-        <p:nvSpPr>
-          <p:cNvPr id="3" name="Content Placeholder 2">
+      <p:pic>
+        <p:nvPicPr>
+          <p:cNvPr id="5" name="Content Placeholder 4">
             <a:extLst>
               <a:ext uri="{FF2B5EF4-FFF2-40B4-BE49-F238E27FC236}">
-                <a16:creationId xmlns:a16="http://schemas.microsoft.com/office/drawing/2014/main" id="{79E601F8-8ED9-4154-A68D-471B996D0D71}"/>
+                <a16:creationId xmlns:a16="http://schemas.microsoft.com/office/drawing/2014/main" id="{2B980567-95DF-4FAB-ACEC-FE55F966F092}"/>
               </a:ext>
             </a:extLst>
           </p:cNvPr>
-          <p:cNvSpPr>
-            <a:spLocks noGrp="1"/>
-          </p:cNvSpPr>
+          <p:cNvPicPr>
+            <a:picLocks noGrp="1" noChangeAspect="1"/>
+          </p:cNvPicPr>
           <p:nvPr>
             <p:ph idx="1"/>
           </p:nvPr>
+        </p:nvPicPr>
+        <p:blipFill>
+          <a:blip r:embed="rId2">
+            <a:extLst>
+              <a:ext uri="{28A0092B-C50C-407E-A947-70E740481C1C}">
+                <a14:useLocalDpi xmlns:a14="http://schemas.microsoft.com/office/drawing/2010/main" val="0"/>
+              </a:ext>
+            </a:extLst>
+          </a:blip>
+          <a:stretch>
+            <a:fillRect/>
+          </a:stretch>
+        </p:blipFill>
+        <p:spPr>
+          <a:xfrm>
+            <a:off x="838200" y="1813030"/>
+            <a:ext cx="10515600" cy="1297811"/>
+          </a:xfrm>
+        </p:spPr>
+      </p:pic>
+      <p:sp>
+        <p:nvSpPr>
+          <p:cNvPr id="6" name="TextBox 5">
+            <a:extLst>
+              <a:ext uri="{FF2B5EF4-FFF2-40B4-BE49-F238E27FC236}">
+                <a16:creationId xmlns:a16="http://schemas.microsoft.com/office/drawing/2014/main" id="{41C031C9-D82C-492B-AFF1-A1A5BD30E89A}"/>
+              </a:ext>
+            </a:extLst>
+          </p:cNvPr>
+          <p:cNvSpPr txBox="1"/>
+          <p:nvPr/>
         </p:nvSpPr>
-        <p:spPr/>
+        <p:spPr>
+          <a:xfrm>
+            <a:off x="3276599" y="3270106"/>
+            <a:ext cx="6490253" cy="1600438"/>
+          </a:xfrm>
+          <a:prstGeom prst="rect">
+            <a:avLst/>
+          </a:prstGeom>
+          <a:noFill/>
+        </p:spPr>
         <p:txBody>
-          <a:bodyPr/>
+          <a:bodyPr wrap="square" rtlCol="0">
+            <a:spAutoFit/>
+          </a:bodyPr>
           <a:lstStyle/>
           <a:p>
-            <a:endParaRPr lang="en-GB"/>
+            <a:pPr marL="285750" indent="-285750">
+              <a:buFont typeface="Arial" panose="020B0604020202020204" pitchFamily="34" charset="0"/>
+              <a:buChar char="•"/>
+            </a:pPr>
+            <a:r>
+              <a:rPr lang="en-GB" sz="1400" dirty="0">
+                <a:latin typeface="Arial" panose="020B0604020202020204" pitchFamily="34" charset="0"/>
+                <a:cs typeface="Arial" panose="020B0604020202020204" pitchFamily="34" charset="0"/>
+              </a:rPr>
+              <a:t>I have full unit testing for Customers, Lists, and Tasks.</a:t>
+            </a:r>
+          </a:p>
+          <a:p>
+            <a:endParaRPr lang="en-GB" sz="1400" dirty="0">
+              <a:latin typeface="Arial" panose="020B0604020202020204" pitchFamily="34" charset="0"/>
+              <a:cs typeface="Arial" panose="020B0604020202020204" pitchFamily="34" charset="0"/>
+            </a:endParaRPr>
+          </a:p>
+          <a:p>
+            <a:pPr marL="285750" indent="-285750">
+              <a:buFont typeface="Arial" panose="020B0604020202020204" pitchFamily="34" charset="0"/>
+              <a:buChar char="•"/>
+            </a:pPr>
+            <a:r>
+              <a:rPr lang="en-GB" sz="1400" dirty="0">
+                <a:latin typeface="Arial" panose="020B0604020202020204" pitchFamily="34" charset="0"/>
+                <a:cs typeface="Arial" panose="020B0604020202020204" pitchFamily="34" charset="0"/>
+              </a:rPr>
+              <a:t>I have full integration testing for Lists and Tasks. The reason for this is the Customers doesn’t link to anything yet. That would be a future improvement of the system.</a:t>
+            </a:r>
+          </a:p>
+          <a:p>
+            <a:pPr marL="285750" indent="-285750">
+              <a:buFont typeface="Arial" panose="020B0604020202020204" pitchFamily="34" charset="0"/>
+              <a:buChar char="•"/>
+            </a:pPr>
+            <a:endParaRPr lang="en-GB" sz="1400" dirty="0">
+              <a:latin typeface="Arial" panose="020B0604020202020204" pitchFamily="34" charset="0"/>
+              <a:cs typeface="Arial" panose="020B0604020202020204" pitchFamily="34" charset="0"/>
+            </a:endParaRPr>
+          </a:p>
+          <a:p>
+            <a:pPr marL="285750" indent="-285750">
+              <a:buFont typeface="Arial" panose="020B0604020202020204" pitchFamily="34" charset="0"/>
+              <a:buChar char="•"/>
+            </a:pPr>
+            <a:r>
+              <a:rPr lang="en-GB" sz="1400" dirty="0">
+                <a:latin typeface="Arial" panose="020B0604020202020204" pitchFamily="34" charset="0"/>
+                <a:cs typeface="Arial" panose="020B0604020202020204" pitchFamily="34" charset="0"/>
+              </a:rPr>
+              <a:t>63 Tests in total. All running with zero errors.</a:t>
+            </a:r>
           </a:p>
         </p:txBody>
       </p:sp>
+      <p:pic>
+        <p:nvPicPr>
+          <p:cNvPr id="7" name="Picture 6">
+            <a:extLst>
+              <a:ext uri="{FF2B5EF4-FFF2-40B4-BE49-F238E27FC236}">
+                <a16:creationId xmlns:a16="http://schemas.microsoft.com/office/drawing/2014/main" id="{033F7F2A-5029-48A2-BB21-214C2232EAB7}"/>
+              </a:ext>
+            </a:extLst>
+          </p:cNvPr>
+          <p:cNvPicPr>
+            <a:picLocks noChangeAspect="1"/>
+          </p:cNvPicPr>
+          <p:nvPr/>
+        </p:nvPicPr>
+        <p:blipFill>
+          <a:blip r:embed="rId3"/>
+          <a:stretch>
+            <a:fillRect/>
+          </a:stretch>
+        </p:blipFill>
+        <p:spPr>
+          <a:xfrm>
+            <a:off x="838200" y="3110841"/>
+            <a:ext cx="2182447" cy="3480255"/>
+          </a:xfrm>
+          <a:prstGeom prst="rect">
+            <a:avLst/>
+          </a:prstGeom>
+        </p:spPr>
+      </p:pic>
     </p:spTree>
     <p:extLst>
       <p:ext uri="{BB962C8B-B14F-4D97-AF65-F5344CB8AC3E}">
-        <p14:creationId xmlns:p14="http://schemas.microsoft.com/office/powerpoint/2010/main" val="3528680683"/>
+        <p14:creationId xmlns:p14="http://schemas.microsoft.com/office/powerpoint/2010/main" val="4192669531"/>
       </p:ext>
     </p:extLst>
   </p:cSld>
@@ -8943,6 +10016,831 @@
 </file>
 
 <file path=ppt/slides/slide8.xml><?xml version="1.0" encoding="utf-8"?>
+<p:sld xmlns:a="http://schemas.openxmlformats.org/drawingml/2006/main" xmlns:r="http://schemas.openxmlformats.org/officeDocument/2006/relationships" xmlns:p="http://schemas.openxmlformats.org/presentationml/2006/main">
+  <p:cSld>
+    <p:bg>
+      <p:bgPr>
+        <a:solidFill>
+          <a:schemeClr val="bg1"/>
+        </a:solidFill>
+        <a:effectLst/>
+      </p:bgPr>
+    </p:bg>
+    <p:spTree>
+      <p:nvGrpSpPr>
+        <p:cNvPr id="1" name=""/>
+        <p:cNvGrpSpPr/>
+        <p:nvPr/>
+      </p:nvGrpSpPr>
+      <p:grpSpPr>
+        <a:xfrm>
+          <a:off x="0" y="0"/>
+          <a:ext cx="0" cy="0"/>
+          <a:chOff x="0" y="0"/>
+          <a:chExt cx="0" cy="0"/>
+        </a:xfrm>
+      </p:grpSpPr>
+      <p:sp useBgFill="1">
+        <p:nvSpPr>
+          <p:cNvPr id="11" name="Rectangle 10">
+            <a:extLst>
+              <a:ext uri="{FF2B5EF4-FFF2-40B4-BE49-F238E27FC236}">
+                <a16:creationId xmlns:a16="http://schemas.microsoft.com/office/drawing/2014/main" id="{711671EB-9B2E-4E39-94FF-2BA8B0B45E4D}"/>
+              </a:ext>
+              <a:ext uri="{C183D7F6-B498-43B3-948B-1728B52AA6E4}">
+                <adec:decorative xmlns:adec="http://schemas.microsoft.com/office/drawing/2017/decorative" val="1"/>
+              </a:ext>
+            </a:extLst>
+          </p:cNvPr>
+          <p:cNvSpPr>
+            <a:spLocks noGrp="1" noRot="1" noChangeAspect="1" noMove="1" noResize="1" noEditPoints="1" noAdjustHandles="1" noChangeArrowheads="1" noChangeShapeType="1" noTextEdit="1"/>
+          </p:cNvSpPr>
+          <p:nvPr>
+            <p:extLst>
+              <p:ext uri="{386F3935-93C4-4BCD-93E2-E3B085C9AB24}">
+                <p16:designElem xmlns:p16="http://schemas.microsoft.com/office/powerpoint/2015/main" val="1"/>
+              </p:ext>
+            </p:extLst>
+          </p:nvPr>
+        </p:nvSpPr>
+        <p:spPr>
+          <a:xfrm>
+            <a:off x="0" y="0"/>
+            <a:ext cx="12188952" cy="6858000"/>
+          </a:xfrm>
+          <a:prstGeom prst="rect">
+            <a:avLst/>
+          </a:prstGeom>
+          <a:ln>
+            <a:noFill/>
+          </a:ln>
+        </p:spPr>
+        <p:style>
+          <a:lnRef idx="2">
+            <a:schemeClr val="accent1">
+              <a:shade val="50000"/>
+            </a:schemeClr>
+          </a:lnRef>
+          <a:fillRef idx="1">
+            <a:schemeClr val="accent1"/>
+          </a:fillRef>
+          <a:effectRef idx="0">
+            <a:schemeClr val="accent1"/>
+          </a:effectRef>
+          <a:fontRef idx="minor">
+            <a:schemeClr val="lt1"/>
+          </a:fontRef>
+        </p:style>
+        <p:txBody>
+          <a:bodyPr rtlCol="0" anchor="ctr"/>
+          <a:lstStyle/>
+          <a:p>
+            <a:pPr algn="ctr"/>
+            <a:endParaRPr lang="en-US"/>
+          </a:p>
+        </p:txBody>
+      </p:sp>
+      <p:sp>
+        <p:nvSpPr>
+          <p:cNvPr id="13" name="Freeform: Shape 12">
+            <a:extLst>
+              <a:ext uri="{FF2B5EF4-FFF2-40B4-BE49-F238E27FC236}">
+                <a16:creationId xmlns:a16="http://schemas.microsoft.com/office/drawing/2014/main" id="{22FC64A3-62BF-47FB-A545-7A43E365356C}"/>
+              </a:ext>
+              <a:ext uri="{C183D7F6-B498-43B3-948B-1728B52AA6E4}">
+                <adec:decorative xmlns:adec="http://schemas.microsoft.com/office/drawing/2017/decorative" val="1"/>
+              </a:ext>
+            </a:extLst>
+          </p:cNvPr>
+          <p:cNvSpPr>
+            <a:spLocks noGrp="1" noRot="1" noChangeAspect="1" noMove="1" noResize="1" noEditPoints="1" noAdjustHandles="1" noChangeArrowheads="1" noChangeShapeType="1" noTextEdit="1"/>
+          </p:cNvSpPr>
+          <p:nvPr>
+            <p:extLst>
+              <p:ext uri="{386F3935-93C4-4BCD-93E2-E3B085C9AB24}">
+                <p16:designElem xmlns:p16="http://schemas.microsoft.com/office/powerpoint/2015/main" val="1"/>
+              </p:ext>
+            </p:extLst>
+          </p:nvPr>
+        </p:nvSpPr>
+        <p:spPr>
+          <a:xfrm rot="5400000" flipV="1">
+            <a:off x="4745565" y="-4745566"/>
+            <a:ext cx="2700870" cy="12192000"/>
+          </a:xfrm>
+          <a:custGeom>
+            <a:avLst/>
+            <a:gdLst>
+              <a:gd name="connsiteX0" fmla="*/ 0 w 2700870"/>
+              <a:gd name="connsiteY0" fmla="*/ 0 h 12192000"/>
+              <a:gd name="connsiteX1" fmla="*/ 0 w 2700870"/>
+              <a:gd name="connsiteY1" fmla="*/ 12192000 h 12192000"/>
+              <a:gd name="connsiteX2" fmla="*/ 2661694 w 2700870"/>
+              <a:gd name="connsiteY2" fmla="*/ 12192000 h 12192000"/>
+              <a:gd name="connsiteX3" fmla="*/ 2632716 w 2700870"/>
+              <a:gd name="connsiteY3" fmla="*/ 11941855 h 12192000"/>
+              <a:gd name="connsiteX4" fmla="*/ 2605238 w 2700870"/>
+              <a:gd name="connsiteY4" fmla="*/ 10895781 h 12192000"/>
+              <a:gd name="connsiteX5" fmla="*/ 2672927 w 2700870"/>
+              <a:gd name="connsiteY5" fmla="*/ 9729981 h 12192000"/>
+              <a:gd name="connsiteX6" fmla="*/ 2672927 w 2700870"/>
+              <a:gd name="connsiteY6" fmla="*/ 9349685 h 12192000"/>
+              <a:gd name="connsiteX7" fmla="*/ 2665256 w 2700870"/>
+              <a:gd name="connsiteY7" fmla="*/ 8947869 h 12192000"/>
+              <a:gd name="connsiteX8" fmla="*/ 2666835 w 2700870"/>
+              <a:gd name="connsiteY8" fmla="*/ 7719557 h 12192000"/>
+              <a:gd name="connsiteX9" fmla="*/ 2648109 w 2700870"/>
+              <a:gd name="connsiteY9" fmla="*/ 6285351 h 12192000"/>
+              <a:gd name="connsiteX10" fmla="*/ 2672476 w 2700870"/>
+              <a:gd name="connsiteY10" fmla="*/ 5314115 h 12192000"/>
+              <a:gd name="connsiteX11" fmla="*/ 2662774 w 2700870"/>
+              <a:gd name="connsiteY11" fmla="*/ 4956020 h 12192000"/>
+              <a:gd name="connsiteX12" fmla="*/ 2679020 w 2700870"/>
+              <a:gd name="connsiteY12" fmla="*/ 4142653 h 12192000"/>
+              <a:gd name="connsiteX13" fmla="*/ 2681951 w 2700870"/>
+              <a:gd name="connsiteY13" fmla="*/ 3198141 h 12192000"/>
+              <a:gd name="connsiteX14" fmla="*/ 2632541 w 2700870"/>
+              <a:gd name="connsiteY14" fmla="*/ 1982283 h 12192000"/>
+              <a:gd name="connsiteX15" fmla="*/ 2667512 w 2700870"/>
+              <a:gd name="connsiteY15" fmla="*/ 1445702 h 12192000"/>
+              <a:gd name="connsiteX16" fmla="*/ 2660518 w 2700870"/>
+              <a:gd name="connsiteY16" fmla="*/ 750797 h 12192000"/>
+              <a:gd name="connsiteX17" fmla="*/ 2651539 w 2700870"/>
+              <a:gd name="connsiteY17" fmla="*/ 168769 h 12192000"/>
+              <a:gd name="connsiteX18" fmla="*/ 2668618 w 2700870"/>
+              <a:gd name="connsiteY18" fmla="*/ 0 h 12192000"/>
+              <a:gd name="connsiteX19" fmla="*/ 781493 w 2700870"/>
+              <a:gd name="connsiteY19" fmla="*/ 0 h 12192000"/>
+              <a:gd name="connsiteX20" fmla="*/ 409569 w 2700870"/>
+              <a:gd name="connsiteY20" fmla="*/ 0 h 12192000"/>
+            </a:gdLst>
+            <a:ahLst/>
+            <a:cxnLst>
+              <a:cxn ang="0">
+                <a:pos x="connsiteX0" y="connsiteY0"/>
+              </a:cxn>
+              <a:cxn ang="0">
+                <a:pos x="connsiteX1" y="connsiteY1"/>
+              </a:cxn>
+              <a:cxn ang="0">
+                <a:pos x="connsiteX2" y="connsiteY2"/>
+              </a:cxn>
+              <a:cxn ang="0">
+                <a:pos x="connsiteX3" y="connsiteY3"/>
+              </a:cxn>
+              <a:cxn ang="0">
+                <a:pos x="connsiteX4" y="connsiteY4"/>
+              </a:cxn>
+              <a:cxn ang="0">
+                <a:pos x="connsiteX5" y="connsiteY5"/>
+              </a:cxn>
+              <a:cxn ang="0">
+                <a:pos x="connsiteX6" y="connsiteY6"/>
+              </a:cxn>
+              <a:cxn ang="0">
+                <a:pos x="connsiteX7" y="connsiteY7"/>
+              </a:cxn>
+              <a:cxn ang="0">
+                <a:pos x="connsiteX8" y="connsiteY8"/>
+              </a:cxn>
+              <a:cxn ang="0">
+                <a:pos x="connsiteX9" y="connsiteY9"/>
+              </a:cxn>
+              <a:cxn ang="0">
+                <a:pos x="connsiteX10" y="connsiteY10"/>
+              </a:cxn>
+              <a:cxn ang="0">
+                <a:pos x="connsiteX11" y="connsiteY11"/>
+              </a:cxn>
+              <a:cxn ang="0">
+                <a:pos x="connsiteX12" y="connsiteY12"/>
+              </a:cxn>
+              <a:cxn ang="0">
+                <a:pos x="connsiteX13" y="connsiteY13"/>
+              </a:cxn>
+              <a:cxn ang="0">
+                <a:pos x="connsiteX14" y="connsiteY14"/>
+              </a:cxn>
+              <a:cxn ang="0">
+                <a:pos x="connsiteX15" y="connsiteY15"/>
+              </a:cxn>
+              <a:cxn ang="0">
+                <a:pos x="connsiteX16" y="connsiteY16"/>
+              </a:cxn>
+              <a:cxn ang="0">
+                <a:pos x="connsiteX17" y="connsiteY17"/>
+              </a:cxn>
+              <a:cxn ang="0">
+                <a:pos x="connsiteX18" y="connsiteY18"/>
+              </a:cxn>
+              <a:cxn ang="0">
+                <a:pos x="connsiteX19" y="connsiteY19"/>
+              </a:cxn>
+              <a:cxn ang="0">
+                <a:pos x="connsiteX20" y="connsiteY20"/>
+              </a:cxn>
+            </a:cxnLst>
+            <a:rect l="l" t="t" r="r" b="b"/>
+            <a:pathLst>
+              <a:path w="2700870" h="12192000">
+                <a:moveTo>
+                  <a:pt x="0" y="0"/>
+                </a:moveTo>
+                <a:lnTo>
+                  <a:pt x="0" y="12192000"/>
+                </a:lnTo>
+                <a:lnTo>
+                  <a:pt x="2661694" y="12192000"/>
+                </a:lnTo>
+                <a:lnTo>
+                  <a:pt x="2632716" y="11941855"/>
+                </a:lnTo>
+                <a:cubicBezTo>
+                  <a:pt x="2602362" y="11594183"/>
+                  <a:pt x="2599485" y="11245047"/>
+                  <a:pt x="2605238" y="10895781"/>
+                </a:cubicBezTo>
+                <a:cubicBezTo>
+                  <a:pt x="2611558" y="10506425"/>
+                  <a:pt x="2629380" y="10117297"/>
+                  <a:pt x="2672927" y="9729981"/>
+                </a:cubicBezTo>
+                <a:cubicBezTo>
+                  <a:pt x="2684548" y="9603480"/>
+                  <a:pt x="2684548" y="9476187"/>
+                  <a:pt x="2672927" y="9349685"/>
+                </a:cubicBezTo>
+                <a:cubicBezTo>
+                  <a:pt x="2663496" y="9215958"/>
+                  <a:pt x="2660924" y="9081848"/>
+                  <a:pt x="2665256" y="8947869"/>
+                </a:cubicBezTo>
+                <a:cubicBezTo>
+                  <a:pt x="2678116" y="8538360"/>
+                  <a:pt x="2648559" y="8128618"/>
+                  <a:pt x="2666835" y="7719557"/>
+                </a:cubicBezTo>
+                <a:cubicBezTo>
+                  <a:pt x="2688269" y="7240958"/>
+                  <a:pt x="2663226" y="6763493"/>
+                  <a:pt x="2648109" y="6285351"/>
+                </a:cubicBezTo>
+                <a:cubicBezTo>
+                  <a:pt x="2637956" y="5961455"/>
+                  <a:pt x="2631636" y="5637330"/>
+                  <a:pt x="2672476" y="5314115"/>
+                </a:cubicBezTo>
+                <a:cubicBezTo>
+                  <a:pt x="2687594" y="5195204"/>
+                  <a:pt x="2674732" y="5074932"/>
+                  <a:pt x="2662774" y="4956020"/>
+                </a:cubicBezTo>
+                <a:cubicBezTo>
+                  <a:pt x="2635699" y="4683988"/>
+                  <a:pt x="2650591" y="4413093"/>
+                  <a:pt x="2679020" y="4142653"/>
+                </a:cubicBezTo>
+                <a:cubicBezTo>
+                  <a:pt x="2712412" y="3827814"/>
+                  <a:pt x="2702710" y="3513204"/>
+                  <a:pt x="2681951" y="3198141"/>
+                </a:cubicBezTo>
+                <a:cubicBezTo>
+                  <a:pt x="2655103" y="2793383"/>
+                  <a:pt x="2621257" y="2389987"/>
+                  <a:pt x="2632541" y="1982283"/>
+                </a:cubicBezTo>
+                <a:cubicBezTo>
+                  <a:pt x="2637279" y="1803119"/>
+                  <a:pt x="2653299" y="1624412"/>
+                  <a:pt x="2667512" y="1445702"/>
+                </a:cubicBezTo>
+                <a:cubicBezTo>
+                  <a:pt x="2682111" y="1214217"/>
+                  <a:pt x="2679764" y="981948"/>
+                  <a:pt x="2660518" y="750797"/>
+                </a:cubicBezTo>
+                <a:cubicBezTo>
+                  <a:pt x="2647658" y="556628"/>
+                  <a:pt x="2639366" y="362460"/>
+                  <a:pt x="2651539" y="168769"/>
+                </a:cubicBezTo>
+                <a:lnTo>
+                  <a:pt x="2668618" y="0"/>
+                </a:lnTo>
+                <a:lnTo>
+                  <a:pt x="781493" y="0"/>
+                </a:lnTo>
+                <a:lnTo>
+                  <a:pt x="409569" y="0"/>
+                </a:lnTo>
+                <a:close/>
+              </a:path>
+            </a:pathLst>
+          </a:custGeom>
+          <a:solidFill>
+            <a:srgbClr val="96A4C6"/>
+          </a:solidFill>
+          <a:ln>
+            <a:noFill/>
+          </a:ln>
+        </p:spPr>
+        <p:style>
+          <a:lnRef idx="2">
+            <a:schemeClr val="accent1">
+              <a:shade val="50000"/>
+            </a:schemeClr>
+          </a:lnRef>
+          <a:fillRef idx="1">
+            <a:schemeClr val="accent1"/>
+          </a:fillRef>
+          <a:effectRef idx="0">
+            <a:schemeClr val="accent1"/>
+          </a:effectRef>
+          <a:fontRef idx="minor">
+            <a:schemeClr val="lt1"/>
+          </a:fontRef>
+        </p:style>
+        <p:txBody>
+          <a:bodyPr wrap="square" rtlCol="0" anchor="ctr">
+            <a:noAutofit/>
+          </a:bodyPr>
+          <a:lstStyle/>
+          <a:p>
+            <a:pPr algn="ctr"/>
+            <a:endParaRPr lang="en-US"/>
+          </a:p>
+        </p:txBody>
+      </p:sp>
+      <p:sp>
+        <p:nvSpPr>
+          <p:cNvPr id="2" name="Title 1">
+            <a:extLst>
+              <a:ext uri="{FF2B5EF4-FFF2-40B4-BE49-F238E27FC236}">
+                <a16:creationId xmlns:a16="http://schemas.microsoft.com/office/drawing/2014/main" id="{23FB1651-8F7F-4FB4-87AD-7FCD1434A554}"/>
+              </a:ext>
+            </a:extLst>
+          </p:cNvPr>
+          <p:cNvSpPr>
+            <a:spLocks noGrp="1"/>
+          </p:cNvSpPr>
+          <p:nvPr>
+            <p:ph type="title"/>
+          </p:nvPr>
+        </p:nvSpPr>
+        <p:spPr>
+          <a:xfrm>
+            <a:off x="630936" y="786384"/>
+            <a:ext cx="3419856" cy="1600200"/>
+          </a:xfrm>
+        </p:spPr>
+        <p:txBody>
+          <a:bodyPr vert="horz" lIns="91440" tIns="45720" rIns="91440" bIns="45720" rtlCol="0" anchor="ctr">
+            <a:normAutofit/>
+          </a:bodyPr>
+          <a:lstStyle/>
+          <a:p>
+            <a:r>
+              <a:rPr lang="en-US" dirty="0">
+                <a:solidFill>
+                  <a:schemeClr val="bg1"/>
+                </a:solidFill>
+                <a:latin typeface="Arial" panose="020B0604020202020204" pitchFamily="34" charset="0"/>
+                <a:cs typeface="Arial" panose="020B0604020202020204" pitchFamily="34" charset="0"/>
+              </a:rPr>
+              <a:t>Sonar-cube</a:t>
+            </a:r>
+          </a:p>
+        </p:txBody>
+      </p:sp>
+      <p:sp>
+        <p:nvSpPr>
+          <p:cNvPr id="15" name="Rectangle 22">
+            <a:extLst>
+              <a:ext uri="{FF2B5EF4-FFF2-40B4-BE49-F238E27FC236}">
+                <a16:creationId xmlns:a16="http://schemas.microsoft.com/office/drawing/2014/main" id="{535742DD-1B16-4E9D-B715-0D74B4574A68}"/>
+              </a:ext>
+              <a:ext uri="{C183D7F6-B498-43B3-948B-1728B52AA6E4}">
+                <adec:decorative xmlns:adec="http://schemas.microsoft.com/office/drawing/2017/decorative" val="1"/>
+              </a:ext>
+            </a:extLst>
+          </p:cNvPr>
+          <p:cNvSpPr>
+            <a:spLocks noGrp="1" noRot="1" noChangeAspect="1" noMove="1" noResize="1" noEditPoints="1" noAdjustHandles="1" noChangeArrowheads="1" noChangeShapeType="1" noTextEdit="1"/>
+          </p:cNvSpPr>
+          <p:nvPr>
+            <p:extLst>
+              <p:ext uri="{386F3935-93C4-4BCD-93E2-E3B085C9AB24}">
+                <p16:designElem xmlns:p16="http://schemas.microsoft.com/office/powerpoint/2015/main" val="1"/>
+              </p:ext>
+            </p:extLst>
+          </p:nvPr>
+        </p:nvSpPr>
+        <p:spPr>
+          <a:xfrm>
+            <a:off x="4314992" y="786384"/>
+            <a:ext cx="18288" cy="1600200"/>
+          </a:xfrm>
+          <a:custGeom>
+            <a:avLst/>
+            <a:gdLst>
+              <a:gd name="connsiteX0" fmla="*/ 0 w 18288"/>
+              <a:gd name="connsiteY0" fmla="*/ 0 h 1600200"/>
+              <a:gd name="connsiteX1" fmla="*/ 18288 w 18288"/>
+              <a:gd name="connsiteY1" fmla="*/ 0 h 1600200"/>
+              <a:gd name="connsiteX2" fmla="*/ 18288 w 18288"/>
+              <a:gd name="connsiteY2" fmla="*/ 549402 h 1600200"/>
+              <a:gd name="connsiteX3" fmla="*/ 18288 w 18288"/>
+              <a:gd name="connsiteY3" fmla="*/ 1114806 h 1600200"/>
+              <a:gd name="connsiteX4" fmla="*/ 18288 w 18288"/>
+              <a:gd name="connsiteY4" fmla="*/ 1600200 h 1600200"/>
+              <a:gd name="connsiteX5" fmla="*/ 0 w 18288"/>
+              <a:gd name="connsiteY5" fmla="*/ 1600200 h 1600200"/>
+              <a:gd name="connsiteX6" fmla="*/ 0 w 18288"/>
+              <a:gd name="connsiteY6" fmla="*/ 1066800 h 1600200"/>
+              <a:gd name="connsiteX7" fmla="*/ 0 w 18288"/>
+              <a:gd name="connsiteY7" fmla="*/ 517398 h 1600200"/>
+              <a:gd name="connsiteX8" fmla="*/ 0 w 18288"/>
+              <a:gd name="connsiteY8" fmla="*/ 0 h 1600200"/>
+            </a:gdLst>
+            <a:ahLst/>
+            <a:cxnLst>
+              <a:cxn ang="0">
+                <a:pos x="connsiteX0" y="connsiteY0"/>
+              </a:cxn>
+              <a:cxn ang="0">
+                <a:pos x="connsiteX1" y="connsiteY1"/>
+              </a:cxn>
+              <a:cxn ang="0">
+                <a:pos x="connsiteX2" y="connsiteY2"/>
+              </a:cxn>
+              <a:cxn ang="0">
+                <a:pos x="connsiteX3" y="connsiteY3"/>
+              </a:cxn>
+              <a:cxn ang="0">
+                <a:pos x="connsiteX4" y="connsiteY4"/>
+              </a:cxn>
+              <a:cxn ang="0">
+                <a:pos x="connsiteX5" y="connsiteY5"/>
+              </a:cxn>
+              <a:cxn ang="0">
+                <a:pos x="connsiteX6" y="connsiteY6"/>
+              </a:cxn>
+              <a:cxn ang="0">
+                <a:pos x="connsiteX7" y="connsiteY7"/>
+              </a:cxn>
+              <a:cxn ang="0">
+                <a:pos x="connsiteX8" y="connsiteY8"/>
+              </a:cxn>
+            </a:cxnLst>
+            <a:rect l="l" t="t" r="r" b="b"/>
+            <a:pathLst>
+              <a:path w="18288" h="1600200" fill="none" extrusionOk="0">
+                <a:moveTo>
+                  <a:pt x="0" y="0"/>
+                </a:moveTo>
+                <a:cubicBezTo>
+                  <a:pt x="4865" y="374"/>
+                  <a:pt x="13608" y="53"/>
+                  <a:pt x="18288" y="0"/>
+                </a:cubicBezTo>
+                <a:cubicBezTo>
+                  <a:pt x="23286" y="215154"/>
+                  <a:pt x="-6672" y="375145"/>
+                  <a:pt x="18288" y="549402"/>
+                </a:cubicBezTo>
+                <a:cubicBezTo>
+                  <a:pt x="43248" y="723659"/>
+                  <a:pt x="44414" y="873011"/>
+                  <a:pt x="18288" y="1114806"/>
+                </a:cubicBezTo>
+                <a:cubicBezTo>
+                  <a:pt x="-7838" y="1356601"/>
+                  <a:pt x="13030" y="1360490"/>
+                  <a:pt x="18288" y="1600200"/>
+                </a:cubicBezTo>
+                <a:cubicBezTo>
+                  <a:pt x="10638" y="1600772"/>
+                  <a:pt x="4111" y="1599793"/>
+                  <a:pt x="0" y="1600200"/>
+                </a:cubicBezTo>
+                <a:cubicBezTo>
+                  <a:pt x="-6890" y="1375807"/>
+                  <a:pt x="21339" y="1304563"/>
+                  <a:pt x="0" y="1066800"/>
+                </a:cubicBezTo>
+                <a:cubicBezTo>
+                  <a:pt x="-21339" y="829037"/>
+                  <a:pt x="-23009" y="689986"/>
+                  <a:pt x="0" y="517398"/>
+                </a:cubicBezTo>
+                <a:cubicBezTo>
+                  <a:pt x="23009" y="344810"/>
+                  <a:pt x="-9921" y="122345"/>
+                  <a:pt x="0" y="0"/>
+                </a:cubicBezTo>
+                <a:close/>
+              </a:path>
+              <a:path w="18288" h="1600200" stroke="0" extrusionOk="0">
+                <a:moveTo>
+                  <a:pt x="0" y="0"/>
+                </a:moveTo>
+                <a:cubicBezTo>
+                  <a:pt x="5341" y="9"/>
+                  <a:pt x="11148" y="-611"/>
+                  <a:pt x="18288" y="0"/>
+                </a:cubicBezTo>
+                <a:cubicBezTo>
+                  <a:pt x="31387" y="104987"/>
+                  <a:pt x="17137" y="300374"/>
+                  <a:pt x="18288" y="485394"/>
+                </a:cubicBezTo>
+                <a:cubicBezTo>
+                  <a:pt x="19439" y="670414"/>
+                  <a:pt x="37394" y="922400"/>
+                  <a:pt x="18288" y="1050798"/>
+                </a:cubicBezTo>
+                <a:cubicBezTo>
+                  <a:pt x="-818" y="1179196"/>
+                  <a:pt x="6556" y="1394957"/>
+                  <a:pt x="18288" y="1600200"/>
+                </a:cubicBezTo>
+                <a:cubicBezTo>
+                  <a:pt x="12642" y="1600430"/>
+                  <a:pt x="3803" y="1599869"/>
+                  <a:pt x="0" y="1600200"/>
+                </a:cubicBezTo>
+                <a:cubicBezTo>
+                  <a:pt x="10832" y="1355159"/>
+                  <a:pt x="-10163" y="1159269"/>
+                  <a:pt x="0" y="1034796"/>
+                </a:cubicBezTo>
+                <a:cubicBezTo>
+                  <a:pt x="10163" y="910323"/>
+                  <a:pt x="5178" y="626710"/>
+                  <a:pt x="0" y="469392"/>
+                </a:cubicBezTo>
+                <a:cubicBezTo>
+                  <a:pt x="-5178" y="312074"/>
+                  <a:pt x="20387" y="137476"/>
+                  <a:pt x="0" y="0"/>
+                </a:cubicBezTo>
+                <a:close/>
+              </a:path>
+            </a:pathLst>
+          </a:custGeom>
+          <a:solidFill>
+            <a:schemeClr val="bg1"/>
+          </a:solidFill>
+          <a:ln w="34925">
+            <a:solidFill>
+              <a:schemeClr val="bg1"/>
+            </a:solidFill>
+            <a:round/>
+            <a:extLst>
+              <a:ext uri="{C807C97D-BFC1-408E-A445-0C87EB9F89A2}">
+                <ask:lineSketchStyleProps xmlns:ask="http://schemas.microsoft.com/office/drawing/2018/sketchyshapes" sd="1219033472">
+                  <a:prstGeom prst="rect">
+                    <a:avLst/>
+                  </a:prstGeom>
+                  <ask:type>
+                    <ask:lineSketchFreehand/>
+                  </ask:type>
+                </ask:lineSketchStyleProps>
+              </a:ext>
+            </a:extLst>
+          </a:ln>
+        </p:spPr>
+        <p:style>
+          <a:lnRef idx="2">
+            <a:schemeClr val="accent1">
+              <a:shade val="50000"/>
+            </a:schemeClr>
+          </a:lnRef>
+          <a:fillRef idx="1">
+            <a:schemeClr val="accent1"/>
+          </a:fillRef>
+          <a:effectRef idx="0">
+            <a:schemeClr val="accent1"/>
+          </a:effectRef>
+          <a:fontRef idx="minor">
+            <a:schemeClr val="lt1"/>
+          </a:fontRef>
+        </p:style>
+        <p:txBody>
+          <a:bodyPr rtlCol="0" anchor="ctr"/>
+          <a:lstStyle/>
+          <a:p>
+            <a:pPr algn="ctr"/>
+            <a:endParaRPr lang="en-US"/>
+          </a:p>
+        </p:txBody>
+      </p:sp>
+      <p:sp>
+        <p:nvSpPr>
+          <p:cNvPr id="6" name="TextBox 5">
+            <a:extLst>
+              <a:ext uri="{FF2B5EF4-FFF2-40B4-BE49-F238E27FC236}">
+                <a16:creationId xmlns:a16="http://schemas.microsoft.com/office/drawing/2014/main" id="{73A4F69F-6EA8-47B2-AFED-86FA180F65A2}"/>
+              </a:ext>
+            </a:extLst>
+          </p:cNvPr>
+          <p:cNvSpPr txBox="1"/>
+          <p:nvPr/>
+        </p:nvSpPr>
+        <p:spPr>
+          <a:xfrm>
+            <a:off x="4654295" y="786384"/>
+            <a:ext cx="6894576" cy="1600200"/>
+          </a:xfrm>
+          <a:prstGeom prst="rect">
+            <a:avLst/>
+          </a:prstGeom>
+        </p:spPr>
+        <p:txBody>
+          <a:bodyPr vert="horz" lIns="91440" tIns="45720" rIns="91440" bIns="45720" rtlCol="0" anchor="ctr">
+            <a:normAutofit fontScale="85000" lnSpcReduction="20000"/>
+          </a:bodyPr>
+          <a:lstStyle/>
+          <a:p>
+            <a:pPr indent="-228600">
+              <a:spcAft>
+                <a:spcPts val="600"/>
+              </a:spcAft>
+              <a:buFont typeface="Arial" panose="020B0604020202020204" pitchFamily="34" charset="0"/>
+              <a:buChar char="•"/>
+            </a:pPr>
+            <a:r>
+              <a:rPr lang="en-US" sz="1400" dirty="0">
+                <a:solidFill>
+                  <a:schemeClr val="bg1"/>
+                </a:solidFill>
+                <a:latin typeface="Arial" panose="020B0604020202020204" pitchFamily="34" charset="0"/>
+                <a:cs typeface="Arial" panose="020B0604020202020204" pitchFamily="34" charset="0"/>
+              </a:rPr>
+              <a:t>Due to the relatively late introduction of Sonar-Cube, I wasn’t fully able to implement the 	changes it suggested in my project.</a:t>
+            </a:r>
+          </a:p>
+          <a:p>
+            <a:pPr indent="-228600">
+              <a:spcAft>
+                <a:spcPts val="600"/>
+              </a:spcAft>
+              <a:buFont typeface="Arial" panose="020B0604020202020204" pitchFamily="34" charset="0"/>
+              <a:buChar char="•"/>
+            </a:pPr>
+            <a:endParaRPr lang="en-US" sz="1400" dirty="0">
+              <a:solidFill>
+                <a:schemeClr val="bg1"/>
+              </a:solidFill>
+              <a:latin typeface="Arial" panose="020B0604020202020204" pitchFamily="34" charset="0"/>
+              <a:cs typeface="Arial" panose="020B0604020202020204" pitchFamily="34" charset="0"/>
+            </a:endParaRPr>
+          </a:p>
+          <a:p>
+            <a:pPr indent="-228600">
+              <a:spcAft>
+                <a:spcPts val="600"/>
+              </a:spcAft>
+              <a:buFont typeface="Arial" panose="020B0604020202020204" pitchFamily="34" charset="0"/>
+              <a:buChar char="•"/>
+            </a:pPr>
+            <a:r>
+              <a:rPr lang="en-US" sz="1400" dirty="0">
+                <a:solidFill>
+                  <a:schemeClr val="bg1"/>
+                </a:solidFill>
+                <a:latin typeface="Arial" panose="020B0604020202020204" pitchFamily="34" charset="0"/>
+                <a:cs typeface="Arial" panose="020B0604020202020204" pitchFamily="34" charset="0"/>
+              </a:rPr>
+              <a:t>With that being said, I have set up Sonar-Cube, and would be comfortable putting it into 	application.</a:t>
+            </a:r>
+          </a:p>
+          <a:p>
+            <a:pPr indent="-228600">
+              <a:spcAft>
+                <a:spcPts val="600"/>
+              </a:spcAft>
+              <a:buFont typeface="Arial" panose="020B0604020202020204" pitchFamily="34" charset="0"/>
+              <a:buChar char="•"/>
+            </a:pPr>
+            <a:endParaRPr lang="en-US" sz="1400" dirty="0">
+              <a:solidFill>
+                <a:schemeClr val="bg1"/>
+              </a:solidFill>
+              <a:latin typeface="Arial" panose="020B0604020202020204" pitchFamily="34" charset="0"/>
+              <a:cs typeface="Arial" panose="020B0604020202020204" pitchFamily="34" charset="0"/>
+            </a:endParaRPr>
+          </a:p>
+          <a:p>
+            <a:pPr indent="-228600">
+              <a:spcAft>
+                <a:spcPts val="600"/>
+              </a:spcAft>
+              <a:buFont typeface="Arial" panose="020B0604020202020204" pitchFamily="34" charset="0"/>
+              <a:buChar char="•"/>
+            </a:pPr>
+            <a:r>
+              <a:rPr lang="en-US" sz="1400" dirty="0">
+                <a:solidFill>
+                  <a:schemeClr val="bg1"/>
+                </a:solidFill>
+                <a:latin typeface="Arial" panose="020B0604020202020204" pitchFamily="34" charset="0"/>
+                <a:cs typeface="Arial" panose="020B0604020202020204" pitchFamily="34" charset="0"/>
+              </a:rPr>
+              <a:t>I think the tool will be great for making me a better coder, it will help me spot the inefficiencies, 	tell me why, and how to fix them.</a:t>
+            </a:r>
+          </a:p>
+        </p:txBody>
+      </p:sp>
+      <p:pic>
+        <p:nvPicPr>
+          <p:cNvPr id="5" name="Content Placeholder 4" descr="Graphical user interface, text, application, email&#10;&#10;Description automatically generated">
+            <a:extLst>
+              <a:ext uri="{FF2B5EF4-FFF2-40B4-BE49-F238E27FC236}">
+                <a16:creationId xmlns:a16="http://schemas.microsoft.com/office/drawing/2014/main" id="{B07999D3-D8C2-42F0-AE91-945D95E5A35A}"/>
+              </a:ext>
+            </a:extLst>
+          </p:cNvPr>
+          <p:cNvPicPr>
+            <a:picLocks noGrp="1" noChangeAspect="1"/>
+          </p:cNvPicPr>
+          <p:nvPr>
+            <p:ph idx="1"/>
+          </p:nvPr>
+        </p:nvPicPr>
+        <p:blipFill>
+          <a:blip r:embed="rId2">
+            <a:extLst>
+              <a:ext uri="{28A0092B-C50C-407E-A947-70E740481C1C}">
+                <a14:useLocalDpi xmlns:a14="http://schemas.microsoft.com/office/drawing/2010/main" val="0"/>
+              </a:ext>
+            </a:extLst>
+          </a:blip>
+          <a:stretch>
+            <a:fillRect/>
+          </a:stretch>
+        </p:blipFill>
+        <p:spPr>
+          <a:xfrm>
+            <a:off x="196204" y="2791438"/>
+            <a:ext cx="4118788" cy="4087898"/>
+          </a:xfrm>
+          <a:prstGeom prst="rect">
+            <a:avLst/>
+          </a:prstGeom>
+        </p:spPr>
+      </p:pic>
+      <p:pic>
+        <p:nvPicPr>
+          <p:cNvPr id="4" name="Picture 3" descr="Graphical user interface, application&#10;&#10;Description automatically generated">
+            <a:extLst>
+              <a:ext uri="{FF2B5EF4-FFF2-40B4-BE49-F238E27FC236}">
+                <a16:creationId xmlns:a16="http://schemas.microsoft.com/office/drawing/2014/main" id="{13DA937E-B481-4A70-920B-57B8DF759A35}"/>
+              </a:ext>
+            </a:extLst>
+          </p:cNvPr>
+          <p:cNvPicPr>
+            <a:picLocks noChangeAspect="1"/>
+          </p:cNvPicPr>
+          <p:nvPr/>
+        </p:nvPicPr>
+        <p:blipFill>
+          <a:blip r:embed="rId3">
+            <a:extLst>
+              <a:ext uri="{28A0092B-C50C-407E-A947-70E740481C1C}">
+                <a14:useLocalDpi xmlns:a14="http://schemas.microsoft.com/office/drawing/2010/main" val="0"/>
+              </a:ext>
+            </a:extLst>
+          </a:blip>
+          <a:stretch>
+            <a:fillRect/>
+          </a:stretch>
+        </p:blipFill>
+        <p:spPr>
+          <a:xfrm>
+            <a:off x="4602081" y="2791437"/>
+            <a:ext cx="7604773" cy="3821397"/>
+          </a:xfrm>
+          <a:prstGeom prst="rect">
+            <a:avLst/>
+          </a:prstGeom>
+        </p:spPr>
+      </p:pic>
+    </p:spTree>
+    <p:extLst>
+      <p:ext uri="{BB962C8B-B14F-4D97-AF65-F5344CB8AC3E}">
+        <p14:creationId xmlns:p14="http://schemas.microsoft.com/office/powerpoint/2010/main" val="3067567530"/>
+      </p:ext>
+    </p:extLst>
+  </p:cSld>
+  <p:clrMapOvr>
+    <a:masterClrMapping/>
+  </p:clrMapOvr>
+</p:sld>
+</file>
+
+<file path=ppt/slides/slide9.xml><?xml version="1.0" encoding="utf-8"?>
 <p:sld xmlns:a="http://schemas.openxmlformats.org/drawingml/2006/main" xmlns:r="http://schemas.openxmlformats.org/officeDocument/2006/relationships" xmlns:p="http://schemas.openxmlformats.org/presentationml/2006/main">
   <p:cSld>
     <p:spTree>
@@ -8964,7 +10862,7 @@
           <p:cNvPr id="2" name="Title 1">
             <a:extLst>
               <a:ext uri="{FF2B5EF4-FFF2-40B4-BE49-F238E27FC236}">
-                <a16:creationId xmlns:a16="http://schemas.microsoft.com/office/drawing/2014/main" id="{171A90FB-67DE-44D6-8526-912172B09CC5}"/>
+                <a16:creationId xmlns:a16="http://schemas.microsoft.com/office/drawing/2014/main" id="{CB0983D7-9AAF-4031-87AA-184C19CDDAB8}"/>
               </a:ext>
             </a:extLst>
           </p:cNvPr>
@@ -8986,7 +10884,7 @@
                 <a:latin typeface="Arial" panose="020B0604020202020204" pitchFamily="34" charset="0"/>
                 <a:cs typeface="Arial" panose="020B0604020202020204" pitchFamily="34" charset="0"/>
               </a:rPr>
-              <a:t>Any Questions?</a:t>
+              <a:t>Closing Remarks</a:t>
             </a:r>
           </a:p>
         </p:txBody>
@@ -8996,7 +10894,7 @@
           <p:cNvPr id="3" name="Content Placeholder 2">
             <a:extLst>
               <a:ext uri="{FF2B5EF4-FFF2-40B4-BE49-F238E27FC236}">
-                <a16:creationId xmlns:a16="http://schemas.microsoft.com/office/drawing/2014/main" id="{1FF2626A-888B-486A-9821-97C41AB1FC23}"/>
+                <a16:creationId xmlns:a16="http://schemas.microsoft.com/office/drawing/2014/main" id="{79E601F8-8ED9-4154-A68D-471B996D0D71}"/>
               </a:ext>
             </a:extLst>
           </p:cNvPr>
@@ -9007,19 +10905,202 @@
             <p:ph idx="1"/>
           </p:nvPr>
         </p:nvSpPr>
-        <p:spPr/>
+        <p:spPr>
+          <a:xfrm>
+            <a:off x="838200" y="1929384"/>
+            <a:ext cx="3976757" cy="4251960"/>
+          </a:xfrm>
+        </p:spPr>
         <p:txBody>
-          <a:bodyPr/>
+          <a:bodyPr>
+            <a:normAutofit/>
+          </a:bodyPr>
           <a:lstStyle/>
           <a:p>
-            <a:endParaRPr lang="en-GB"/>
+            <a:pPr marL="0" indent="0" algn="ctr">
+              <a:buNone/>
+            </a:pPr>
+            <a:r>
+              <a:rPr lang="en-GB" sz="1600" dirty="0">
+                <a:latin typeface="Arial" panose="020B0604020202020204" pitchFamily="34" charset="0"/>
+                <a:cs typeface="Arial" panose="020B0604020202020204" pitchFamily="34" charset="0"/>
+              </a:rPr>
+              <a:t>Positives</a:t>
+            </a:r>
+          </a:p>
+          <a:p>
+            <a:pPr marL="0" indent="0" algn="ctr">
+              <a:buNone/>
+            </a:pPr>
+            <a:endParaRPr lang="en-GB" sz="1600" dirty="0">
+              <a:latin typeface="Arial" panose="020B0604020202020204" pitchFamily="34" charset="0"/>
+              <a:cs typeface="Arial" panose="020B0604020202020204" pitchFamily="34" charset="0"/>
+            </a:endParaRPr>
+          </a:p>
+          <a:p>
+            <a:r>
+              <a:rPr lang="en-GB" sz="1600" dirty="0">
+                <a:latin typeface="Arial" panose="020B0604020202020204" pitchFamily="34" charset="0"/>
+                <a:cs typeface="Arial" panose="020B0604020202020204" pitchFamily="34" charset="0"/>
+              </a:rPr>
+              <a:t>The project felt a lot cleaner than last time.</a:t>
+            </a:r>
+          </a:p>
+          <a:p>
+            <a:endParaRPr lang="en-GB" sz="1600" dirty="0">
+              <a:latin typeface="Arial" panose="020B0604020202020204" pitchFamily="34" charset="0"/>
+              <a:cs typeface="Arial" panose="020B0604020202020204" pitchFamily="34" charset="0"/>
+            </a:endParaRPr>
+          </a:p>
+          <a:p>
+            <a:r>
+              <a:rPr lang="en-GB" sz="1600" dirty="0">
+                <a:latin typeface="Arial" panose="020B0604020202020204" pitchFamily="34" charset="0"/>
+                <a:cs typeface="Arial" panose="020B0604020202020204" pitchFamily="34" charset="0"/>
+              </a:rPr>
+              <a:t>Plan of attack was far more efficient, testing as I went really helped with the flow.</a:t>
+            </a:r>
+          </a:p>
+          <a:p>
+            <a:endParaRPr lang="en-GB" sz="1600" dirty="0">
+              <a:latin typeface="Arial" panose="020B0604020202020204" pitchFamily="34" charset="0"/>
+              <a:cs typeface="Arial" panose="020B0604020202020204" pitchFamily="34" charset="0"/>
+            </a:endParaRPr>
+          </a:p>
+          <a:p>
+            <a:r>
+              <a:rPr lang="en-GB" sz="1600" dirty="0">
+                <a:latin typeface="Arial" panose="020B0604020202020204" pitchFamily="34" charset="0"/>
+                <a:cs typeface="Arial" panose="020B0604020202020204" pitchFamily="34" charset="0"/>
+              </a:rPr>
+              <a:t>Better understanding of tools and implementation of code was easier to understand.</a:t>
+            </a:r>
+          </a:p>
+          <a:p>
+            <a:endParaRPr lang="en-GB" sz="1600" dirty="0">
+              <a:latin typeface="Arial" panose="020B0604020202020204" pitchFamily="34" charset="0"/>
+              <a:cs typeface="Arial" panose="020B0604020202020204" pitchFamily="34" charset="0"/>
+            </a:endParaRPr>
+          </a:p>
+        </p:txBody>
+      </p:sp>
+      <p:sp>
+        <p:nvSpPr>
+          <p:cNvPr id="4" name="TextBox 3">
+            <a:extLst>
+              <a:ext uri="{FF2B5EF4-FFF2-40B4-BE49-F238E27FC236}">
+                <a16:creationId xmlns:a16="http://schemas.microsoft.com/office/drawing/2014/main" id="{FB577891-333A-4302-B139-9D2E2B390DE8}"/>
+              </a:ext>
+            </a:extLst>
+          </p:cNvPr>
+          <p:cNvSpPr txBox="1"/>
+          <p:nvPr/>
+        </p:nvSpPr>
+        <p:spPr>
+          <a:xfrm>
+            <a:off x="6409008" y="1929384"/>
+            <a:ext cx="3595757" cy="4339650"/>
+          </a:xfrm>
+          <a:prstGeom prst="rect">
+            <a:avLst/>
+          </a:prstGeom>
+          <a:noFill/>
+        </p:spPr>
+        <p:txBody>
+          <a:bodyPr wrap="square" rtlCol="0">
+            <a:spAutoFit/>
+          </a:bodyPr>
+          <a:lstStyle/>
+          <a:p>
+            <a:pPr algn="ctr"/>
+            <a:r>
+              <a:rPr lang="en-GB" sz="1600" dirty="0">
+                <a:latin typeface="Arial" panose="020B0604020202020204" pitchFamily="34" charset="0"/>
+                <a:cs typeface="Arial" panose="020B0604020202020204" pitchFamily="34" charset="0"/>
+              </a:rPr>
+              <a:t>Negatives:</a:t>
+            </a:r>
+          </a:p>
+          <a:p>
+            <a:pPr algn="ctr"/>
+            <a:endParaRPr lang="en-GB" sz="1600" dirty="0">
+              <a:latin typeface="Arial" panose="020B0604020202020204" pitchFamily="34" charset="0"/>
+              <a:cs typeface="Arial" panose="020B0604020202020204" pitchFamily="34" charset="0"/>
+            </a:endParaRPr>
+          </a:p>
+          <a:p>
+            <a:pPr marL="285750" indent="-285750">
+              <a:buFont typeface="Arial" panose="020B0604020202020204" pitchFamily="34" charset="0"/>
+              <a:buChar char="•"/>
+            </a:pPr>
+            <a:r>
+              <a:rPr lang="en-GB" sz="1600" dirty="0">
+                <a:latin typeface="Arial" panose="020B0604020202020204" pitchFamily="34" charset="0"/>
+                <a:cs typeface="Arial" panose="020B0604020202020204" pitchFamily="34" charset="0"/>
+              </a:rPr>
+              <a:t>Implementation of Selenium and Sonar-cube could have been a lot better.</a:t>
+            </a:r>
+          </a:p>
+          <a:p>
+            <a:pPr marL="285750" indent="-285750">
+              <a:buFont typeface="Arial" panose="020B0604020202020204" pitchFamily="34" charset="0"/>
+              <a:buChar char="•"/>
+            </a:pPr>
+            <a:endParaRPr lang="en-GB" sz="1600" dirty="0">
+              <a:latin typeface="Arial" panose="020B0604020202020204" pitchFamily="34" charset="0"/>
+              <a:cs typeface="Arial" panose="020B0604020202020204" pitchFamily="34" charset="0"/>
+            </a:endParaRPr>
+          </a:p>
+          <a:p>
+            <a:pPr marL="285750" indent="-285750">
+              <a:buFont typeface="Arial" panose="020B0604020202020204" pitchFamily="34" charset="0"/>
+              <a:buChar char="•"/>
+            </a:pPr>
+            <a:r>
+              <a:rPr lang="en-GB" sz="1600" dirty="0">
+                <a:latin typeface="Arial" panose="020B0604020202020204" pitchFamily="34" charset="0"/>
+                <a:cs typeface="Arial" panose="020B0604020202020204" pitchFamily="34" charset="0"/>
+              </a:rPr>
+              <a:t>With better understanding of the new technologies implementation could be quicker.</a:t>
+            </a:r>
+          </a:p>
+          <a:p>
+            <a:pPr marL="285750" indent="-285750">
+              <a:buFont typeface="Arial" panose="020B0604020202020204" pitchFamily="34" charset="0"/>
+              <a:buChar char="•"/>
+            </a:pPr>
+            <a:endParaRPr lang="en-GB" sz="1600" dirty="0">
+              <a:latin typeface="Arial" panose="020B0604020202020204" pitchFamily="34" charset="0"/>
+              <a:cs typeface="Arial" panose="020B0604020202020204" pitchFamily="34" charset="0"/>
+            </a:endParaRPr>
+          </a:p>
+          <a:p>
+            <a:pPr marL="285750" indent="-285750">
+              <a:buFont typeface="Arial" panose="020B0604020202020204" pitchFamily="34" charset="0"/>
+              <a:buChar char="•"/>
+            </a:pPr>
+            <a:r>
+              <a:rPr lang="en-GB" sz="1600" dirty="0">
+                <a:latin typeface="Arial" panose="020B0604020202020204" pitchFamily="34" charset="0"/>
+                <a:cs typeface="Arial" panose="020B0604020202020204" pitchFamily="34" charset="0"/>
+              </a:rPr>
+              <a:t>Spent far longer on the back-end, so didn’t really get to enjoy creating and designing the front-end as much as I would have liked.</a:t>
+            </a:r>
+          </a:p>
+          <a:p>
+            <a:pPr algn="ctr"/>
+            <a:endParaRPr lang="en-GB" dirty="0"/>
+          </a:p>
+          <a:p>
+            <a:pPr algn="ctr"/>
+            <a:endParaRPr lang="en-GB" dirty="0"/>
           </a:p>
         </p:txBody>
       </p:sp>
     </p:spTree>
     <p:extLst>
       <p:ext uri="{BB962C8B-B14F-4D97-AF65-F5344CB8AC3E}">
-        <p14:creationId xmlns:p14="http://schemas.microsoft.com/office/powerpoint/2010/main" val="3577127451"/>
+        <p14:creationId xmlns:p14="http://schemas.microsoft.com/office/powerpoint/2010/main" val="3528680683"/>
       </p:ext>
     </p:extLst>
   </p:cSld>
